--- a/170204_111coding_opencv.pptx
+++ b/170204_111coding_opencv.pptx
@@ -5,7 +5,7 @@
     <p:sldMasterId id="2147483648" r:id="rId1"/>
   </p:sldMasterIdLst>
   <p:notesMasterIdLst>
-    <p:notesMasterId r:id="rId9"/>
+    <p:notesMasterId r:id="rId13"/>
   </p:notesMasterIdLst>
   <p:sldIdLst>
     <p:sldId id="256" r:id="rId2"/>
@@ -15,6 +15,10 @@
     <p:sldId id="260" r:id="rId6"/>
     <p:sldId id="261" r:id="rId7"/>
     <p:sldId id="262" r:id="rId8"/>
+    <p:sldId id="263" r:id="rId9"/>
+    <p:sldId id="264" r:id="rId10"/>
+    <p:sldId id="265" r:id="rId11"/>
+    <p:sldId id="266" r:id="rId12"/>
   </p:sldIdLst>
   <p:sldSz cx="12192000" cy="6858000"/>
   <p:notesSz cx="6858000" cy="9144000"/>
@@ -482,6 +486,90 @@
 </p:notesMaster>
 </file>
 
+<file path=ppt/notesSlides/notesSlide1.xml><?xml version="1.0" encoding="utf-8"?>
+<p:notes xmlns:a="http://schemas.openxmlformats.org/drawingml/2006/main" xmlns:r="http://schemas.openxmlformats.org/officeDocument/2006/relationships" xmlns:p="http://schemas.openxmlformats.org/presentationml/2006/main">
+  <p:cSld>
+    <p:spTree>
+      <p:nvGrpSpPr>
+        <p:cNvPr id="1" name=""/>
+        <p:cNvGrpSpPr/>
+        <p:nvPr/>
+      </p:nvGrpSpPr>
+      <p:grpSpPr>
+        <a:xfrm>
+          <a:off x="0" y="0"/>
+          <a:ext cx="0" cy="0"/>
+          <a:chOff x="0" y="0"/>
+          <a:chExt cx="0" cy="0"/>
+        </a:xfrm>
+      </p:grpSpPr>
+      <p:sp>
+        <p:nvSpPr>
+          <p:cNvPr id="2" name="슬라이드 이미지 개체 틀 1"/>
+          <p:cNvSpPr>
+            <a:spLocks noGrp="1" noRot="1" noChangeAspect="1"/>
+          </p:cNvSpPr>
+          <p:nvPr>
+            <p:ph type="sldImg"/>
+          </p:nvPr>
+        </p:nvSpPr>
+        <p:spPr/>
+      </p:sp>
+      <p:sp>
+        <p:nvSpPr>
+          <p:cNvPr id="3" name="슬라이드 노트 개체 틀 2"/>
+          <p:cNvSpPr>
+            <a:spLocks noGrp="1"/>
+          </p:cNvSpPr>
+          <p:nvPr>
+            <p:ph type="body" idx="1"/>
+          </p:nvPr>
+        </p:nvSpPr>
+        <p:spPr/>
+        <p:txBody>
+          <a:bodyPr/>
+          <a:lstStyle/>
+          <a:p>
+            <a:endParaRPr kumimoji="1" lang="ko-KR" altLang="en-US" dirty="0"/>
+          </a:p>
+        </p:txBody>
+      </p:sp>
+      <p:sp>
+        <p:nvSpPr>
+          <p:cNvPr id="4" name="슬라이드 번호 개체 틀 3"/>
+          <p:cNvSpPr>
+            <a:spLocks noGrp="1"/>
+          </p:cNvSpPr>
+          <p:nvPr>
+            <p:ph type="sldNum" sz="quarter" idx="10"/>
+          </p:nvPr>
+        </p:nvSpPr>
+        <p:spPr/>
+        <p:txBody>
+          <a:bodyPr/>
+          <a:lstStyle/>
+          <a:p>
+            <a:fld id="{E67913E5-F44C-BF4C-A2C3-45F3C389B1F1}" type="slidenum">
+              <a:rPr kumimoji="1" lang="ko-KR" altLang="en-US" smtClean="0"/>
+              <a:t>11</a:t>
+            </a:fld>
+            <a:endParaRPr kumimoji="1" lang="ko-KR" altLang="en-US"/>
+          </a:p>
+        </p:txBody>
+      </p:sp>
+    </p:spTree>
+    <p:extLst>
+      <p:ext uri="{BB962C8B-B14F-4D97-AF65-F5344CB8AC3E}">
+        <p14:creationId xmlns:p14="http://schemas.microsoft.com/office/powerpoint/2010/main" val="1560713715"/>
+      </p:ext>
+    </p:extLst>
+  </p:cSld>
+  <p:clrMapOvr>
+    <a:masterClrMapping/>
+  </p:clrMapOvr>
+</p:notes>
+</file>
+
 <file path=ppt/slideLayouts/slideLayout1.xml><?xml version="1.0" encoding="utf-8"?>
 <p:sldLayout xmlns:a="http://schemas.openxmlformats.org/drawingml/2006/main" xmlns:r="http://schemas.openxmlformats.org/officeDocument/2006/relationships" xmlns:p="http://schemas.openxmlformats.org/presentationml/2006/main" type="title" preserve="1">
   <p:cSld name="제목 슬라이드">
@@ -771,7 +859,7 @@
           <a:p>
             <a:fld id="{78ABE3C1-DBE1-495D-B57B-2849774B866A}" type="datetimeFigureOut">
               <a:rPr lang="en-US" dirty="0"/>
-              <a:t>2/3/17</a:t>
+              <a:t>2/4/17</a:t>
             </a:fld>
             <a:endParaRPr lang="en-US" dirty="0"/>
           </a:p>
@@ -1187,7 +1275,7 @@
           <a:p>
             <a:fld id="{446C117F-5CCF-4837-BE5F-2B92066CAFAF}" type="datetimeFigureOut">
               <a:rPr lang="en-US" dirty="0"/>
-              <a:t>2/3/17</a:t>
+              <a:t>2/4/17</a:t>
             </a:fld>
             <a:endParaRPr lang="en-US" dirty="0"/>
           </a:p>
@@ -1518,7 +1606,7 @@
           <a:p>
             <a:fld id="{84EB90BD-B6CE-46B7-997F-7313B992CCDC}" type="datetimeFigureOut">
               <a:rPr lang="en-US" dirty="0"/>
-              <a:t>2/3/17</a:t>
+              <a:t>2/4/17</a:t>
             </a:fld>
             <a:endParaRPr lang="en-US" dirty="0"/>
           </a:p>
@@ -1918,7 +2006,7 @@
           <a:p>
             <a:fld id="{CDB9D11F-B188-461D-B23F-39381795C052}" type="datetimeFigureOut">
               <a:rPr lang="en-US" dirty="0"/>
-              <a:t>2/3/17</a:t>
+              <a:t>2/4/17</a:t>
             </a:fld>
             <a:endParaRPr lang="en-US" dirty="0"/>
           </a:p>
@@ -2481,7 +2569,7 @@
           <a:p>
             <a:fld id="{52E6D8D9-55A2-4063-B0F3-121F44549695}" type="datetimeFigureOut">
               <a:rPr lang="en-US" dirty="0"/>
-              <a:t>2/3/17</a:t>
+              <a:t>2/4/17</a:t>
             </a:fld>
             <a:endParaRPr lang="en-US" dirty="0"/>
           </a:p>
@@ -3157,7 +3245,7 @@
           <a:p>
             <a:fld id="{D4B24536-994D-4021-A283-9F449C0DB509}" type="datetimeFigureOut">
               <a:rPr lang="en-US" dirty="0"/>
-              <a:t>2/3/17</a:t>
+              <a:t>2/4/17</a:t>
             </a:fld>
             <a:endParaRPr lang="en-US" dirty="0"/>
           </a:p>
@@ -4065,7 +4153,7 @@
           <a:p>
             <a:fld id="{3CBBBB78-C96F-47B7-AB17-D852CA960AC9}" type="datetimeFigureOut">
               <a:rPr lang="en-US" dirty="0"/>
-              <a:t>2/3/17</a:t>
+              <a:t>2/4/17</a:t>
             </a:fld>
             <a:endParaRPr lang="en-US" dirty="0"/>
           </a:p>
@@ -4373,7 +4461,7 @@
           <a:p>
             <a:fld id="{1FA3F48C-C7C6-4055-9F49-3777875E72AE}" type="datetimeFigureOut">
               <a:rPr lang="en-US" dirty="0"/>
-              <a:t>2/3/17</a:t>
+              <a:t>2/4/17</a:t>
             </a:fld>
             <a:endParaRPr lang="en-US" dirty="0"/>
           </a:p>
@@ -4632,7 +4720,7 @@
           <a:p>
             <a:fld id="{6178E61D-D431-422C-9764-11DAFE33AB63}" type="datetimeFigureOut">
               <a:rPr lang="en-US" dirty="0"/>
-              <a:t>2/3/17</a:t>
+              <a:t>2/4/17</a:t>
             </a:fld>
             <a:endParaRPr lang="en-US" dirty="0"/>
           </a:p>
@@ -5002,7 +5090,7 @@
           <a:p>
             <a:fld id="{12DE42F4-6EEF-4EF7-8ED4-2208F0F89A08}" type="datetimeFigureOut">
               <a:rPr lang="en-US" dirty="0"/>
-              <a:t>2/3/17</a:t>
+              <a:t>2/4/17</a:t>
             </a:fld>
             <a:endParaRPr lang="en-US" dirty="0"/>
           </a:p>
@@ -5393,7 +5481,7 @@
           <a:p>
             <a:fld id="{30578ACC-22D6-47C1-A373-4FD133E34F3C}" type="datetimeFigureOut">
               <a:rPr lang="en-US" dirty="0"/>
-              <a:t>2/3/17</a:t>
+              <a:t>2/4/17</a:t>
             </a:fld>
             <a:endParaRPr lang="en-US" dirty="0"/>
           </a:p>
@@ -5771,7 +5859,7 @@
           <a:p>
             <a:fld id="{4E5A6C69-6797-4E8A-BF37-F2C3751466E9}" type="datetimeFigureOut">
               <a:rPr lang="en-US" dirty="0"/>
-              <a:t>2/3/17</a:t>
+              <a:t>2/4/17</a:t>
             </a:fld>
             <a:endParaRPr lang="en-US" dirty="0"/>
           </a:p>
@@ -6272,7 +6360,7 @@
           <a:p>
             <a:fld id="{D82014A1-A632-4878-A0D3-F52BA7563730}" type="datetimeFigureOut">
               <a:rPr lang="en-US" dirty="0"/>
-              <a:t>2/3/17</a:t>
+              <a:t>2/4/17</a:t>
             </a:fld>
             <a:endParaRPr lang="en-US" dirty="0"/>
           </a:p>
@@ -6524,7 +6612,7 @@
           <a:p>
             <a:fld id="{CE99F462-093F-4566-844B-4C71F2739DA5}" type="datetimeFigureOut">
               <a:rPr lang="en-US" dirty="0"/>
-              <a:t>2/3/17</a:t>
+              <a:t>2/4/17</a:t>
             </a:fld>
             <a:endParaRPr lang="en-US" dirty="0"/>
           </a:p>
@@ -6682,7 +6770,7 @@
           <a:p>
             <a:fld id="{3D24A7AC-904D-4781-85BA-7D10C17ED021}" type="datetimeFigureOut">
               <a:rPr lang="en-US" dirty="0"/>
-              <a:t>2/3/17</a:t>
+              <a:t>2/4/17</a:t>
             </a:fld>
             <a:endParaRPr lang="en-US" dirty="0"/>
           </a:p>
@@ -7067,7 +7155,7 @@
           <a:p>
             <a:fld id="{E331444B-B92B-4E27-8C94-BB93EAF5CB18}" type="datetimeFigureOut">
               <a:rPr lang="en-US" dirty="0"/>
-              <a:t>2/3/17</a:t>
+              <a:t>2/4/17</a:t>
             </a:fld>
             <a:endParaRPr lang="en-US" dirty="0"/>
           </a:p>
@@ -7471,7 +7559,7 @@
           <a:p>
             <a:fld id="{363EFA5E-FA76-400D-B3DC-F0BA90E6D107}" type="datetimeFigureOut">
               <a:rPr lang="en-US" dirty="0"/>
-              <a:t>2/3/17</a:t>
+              <a:t>2/4/17</a:t>
             </a:fld>
             <a:endParaRPr lang="en-US" dirty="0"/>
           </a:p>
@@ -7710,7 +7798,7 @@
           <a:p>
             <a:fld id="{9D6E9DEC-419B-4CC5-A080-3B06BD5A8291}" type="datetimeFigureOut">
               <a:rPr lang="en-US" dirty="0"/>
-              <a:t>2/3/17</a:t>
+              <a:t>2/4/17</a:t>
             </a:fld>
             <a:endParaRPr lang="en-US" dirty="0"/>
           </a:p>
@@ -8206,6 +8294,1639 @@
 </p:sld>
 </file>
 
+<file path=ppt/slides/slide10.xml><?xml version="1.0" encoding="utf-8"?>
+<p:sld xmlns:a="http://schemas.openxmlformats.org/drawingml/2006/main" xmlns:r="http://schemas.openxmlformats.org/officeDocument/2006/relationships" xmlns:p="http://schemas.openxmlformats.org/presentationml/2006/main">
+  <p:cSld>
+    <p:spTree>
+      <p:nvGrpSpPr>
+        <p:cNvPr id="1" name=""/>
+        <p:cNvGrpSpPr/>
+        <p:nvPr/>
+      </p:nvGrpSpPr>
+      <p:grpSpPr>
+        <a:xfrm>
+          <a:off x="0" y="0"/>
+          <a:ext cx="0" cy="0"/>
+          <a:chOff x="0" y="0"/>
+          <a:chExt cx="0" cy="0"/>
+        </a:xfrm>
+      </p:grpSpPr>
+      <p:sp>
+        <p:nvSpPr>
+          <p:cNvPr id="2" name="제목 1"/>
+          <p:cNvSpPr>
+            <a:spLocks noGrp="1"/>
+          </p:cNvSpPr>
+          <p:nvPr>
+            <p:ph type="title"/>
+          </p:nvPr>
+        </p:nvSpPr>
+        <p:spPr/>
+        <p:txBody>
+          <a:bodyPr/>
+          <a:lstStyle/>
+          <a:p>
+            <a:r>
+              <a:rPr kumimoji="1" lang="ko-KR" altLang="en-US" dirty="0" smtClean="0"/>
+              <a:t>히스토그램</a:t>
+            </a:r>
+            <a:r>
+              <a:rPr kumimoji="1" lang="en-US" altLang="ko-KR" dirty="0" smtClean="0"/>
+              <a:t> </a:t>
+            </a:r>
+            <a:r>
+              <a:rPr kumimoji="1" lang="ko-KR" altLang="en-US" smtClean="0"/>
+              <a:t>함수</a:t>
+            </a:r>
+            <a:endParaRPr kumimoji="1" lang="ko-KR" altLang="en-US" dirty="0"/>
+          </a:p>
+        </p:txBody>
+      </p:sp>
+      <p:sp>
+        <p:nvSpPr>
+          <p:cNvPr id="3" name="내용 개체 틀 2"/>
+          <p:cNvSpPr>
+            <a:spLocks noGrp="1"/>
+          </p:cNvSpPr>
+          <p:nvPr>
+            <p:ph idx="1"/>
+          </p:nvPr>
+        </p:nvSpPr>
+        <p:spPr>
+          <a:xfrm>
+            <a:off x="680321" y="2336873"/>
+            <a:ext cx="10268728" cy="3599316"/>
+          </a:xfrm>
+        </p:spPr>
+        <p:txBody>
+          <a:bodyPr>
+            <a:normAutofit/>
+          </a:bodyPr>
+          <a:lstStyle/>
+          <a:p>
+            <a:r>
+              <a:rPr kumimoji="1" lang="en-US" altLang="ko-KR" dirty="0" err="1" smtClean="0"/>
+              <a:t>cvCreateHist</a:t>
+            </a:r>
+            <a:r>
+              <a:rPr kumimoji="1" lang="ko-KR" altLang="en-US" dirty="0" smtClean="0"/>
+              <a:t> 함수</a:t>
+            </a:r>
+            <a:endParaRPr kumimoji="1" lang="en-US" altLang="ko-KR" dirty="0" smtClean="0"/>
+          </a:p>
+          <a:p>
+            <a:pPr marL="0" indent="0">
+              <a:buNone/>
+            </a:pPr>
+            <a:r>
+              <a:rPr kumimoji="1" lang="ko-KR" altLang="en-US" dirty="0" smtClean="0"/>
+              <a:t> </a:t>
+            </a:r>
+            <a:r>
+              <a:rPr kumimoji="1" lang="en-US" altLang="ko-KR" dirty="0" smtClean="0"/>
+              <a:t>	:</a:t>
+            </a:r>
+            <a:r>
+              <a:rPr kumimoji="1" lang="ko-KR" altLang="en-US" dirty="0" smtClean="0"/>
+              <a:t> 히스토그램을 정의하는데 사용하는 함수</a:t>
+            </a:r>
+            <a:r>
+              <a:rPr kumimoji="1" lang="en-US" altLang="ko-KR" dirty="0" smtClean="0"/>
+              <a:t>.</a:t>
+            </a:r>
+            <a:r>
+              <a:rPr kumimoji="1" lang="ko-KR" altLang="en-US" dirty="0" smtClean="0"/>
+              <a:t> </a:t>
+            </a:r>
+            <a:endParaRPr kumimoji="1" lang="en-US" altLang="ko-KR" dirty="0" smtClean="0"/>
+          </a:p>
+          <a:p>
+            <a:r>
+              <a:rPr kumimoji="1" lang="en-US" altLang="ko-KR" dirty="0" err="1" smtClean="0"/>
+              <a:t>cvCalcHist</a:t>
+            </a:r>
+            <a:r>
+              <a:rPr kumimoji="1" lang="ko-KR" altLang="en-US" dirty="0" smtClean="0"/>
+              <a:t> 함수</a:t>
+            </a:r>
+            <a:endParaRPr kumimoji="1" lang="en-US" altLang="ko-KR" dirty="0" smtClean="0"/>
+          </a:p>
+          <a:p>
+            <a:pPr marL="0" indent="0">
+              <a:buNone/>
+            </a:pPr>
+            <a:r>
+              <a:rPr kumimoji="1" lang="en-US" altLang="ko-KR" dirty="0" smtClean="0"/>
+              <a:t>	</a:t>
+            </a:r>
+            <a:r>
+              <a:rPr kumimoji="1" lang="ko-KR" altLang="en-US" dirty="0" smtClean="0"/>
+              <a:t> </a:t>
+            </a:r>
+            <a:r>
+              <a:rPr kumimoji="1" lang="en-US" altLang="ko-KR" dirty="0" smtClean="0"/>
+              <a:t>:</a:t>
+            </a:r>
+            <a:r>
+              <a:rPr kumimoji="1" lang="ko-KR" altLang="en-US" dirty="0" smtClean="0"/>
+              <a:t> 영상으로부터 히스토그램을 계산하는데 사용하는 함수</a:t>
+            </a:r>
+            <a:r>
+              <a:rPr kumimoji="1" lang="en-US" altLang="ko-KR" dirty="0" smtClean="0"/>
+              <a:t>.</a:t>
+            </a:r>
+            <a:r>
+              <a:rPr kumimoji="1" lang="ko-KR" altLang="en-US" dirty="0" smtClean="0"/>
+              <a:t> </a:t>
+            </a:r>
+            <a:endParaRPr kumimoji="1" lang="en-US" altLang="ko-KR" dirty="0" smtClean="0"/>
+          </a:p>
+          <a:p>
+            <a:endParaRPr kumimoji="1" lang="ko-KR" altLang="en-US" dirty="0"/>
+          </a:p>
+        </p:txBody>
+      </p:sp>
+    </p:spTree>
+    <p:extLst>
+      <p:ext uri="{BB962C8B-B14F-4D97-AF65-F5344CB8AC3E}">
+        <p14:creationId xmlns:p14="http://schemas.microsoft.com/office/powerpoint/2010/main" val="1310562700"/>
+      </p:ext>
+    </p:extLst>
+  </p:cSld>
+  <p:clrMapOvr>
+    <a:masterClrMapping/>
+  </p:clrMapOvr>
+</p:sld>
+</file>
+
+<file path=ppt/slides/slide11.xml><?xml version="1.0" encoding="utf-8"?>
+<p:sld xmlns:a="http://schemas.openxmlformats.org/drawingml/2006/main" xmlns:r="http://schemas.openxmlformats.org/officeDocument/2006/relationships" xmlns:p="http://schemas.openxmlformats.org/presentationml/2006/main">
+  <p:cSld>
+    <p:spTree>
+      <p:nvGrpSpPr>
+        <p:cNvPr id="1" name=""/>
+        <p:cNvGrpSpPr/>
+        <p:nvPr/>
+      </p:nvGrpSpPr>
+      <p:grpSpPr>
+        <a:xfrm>
+          <a:off x="0" y="0"/>
+          <a:ext cx="0" cy="0"/>
+          <a:chOff x="0" y="0"/>
+          <a:chExt cx="0" cy="0"/>
+        </a:xfrm>
+      </p:grpSpPr>
+      <p:sp>
+        <p:nvSpPr>
+          <p:cNvPr id="2" name="제목 1"/>
+          <p:cNvSpPr>
+            <a:spLocks noGrp="1"/>
+          </p:cNvSpPr>
+          <p:nvPr>
+            <p:ph type="title"/>
+          </p:nvPr>
+        </p:nvSpPr>
+        <p:spPr/>
+        <p:txBody>
+          <a:bodyPr/>
+          <a:lstStyle/>
+          <a:p>
+            <a:r>
+              <a:rPr kumimoji="1" lang="ko-KR" altLang="en-US" dirty="0" smtClean="0"/>
+              <a:t>히스토그램 예제 코드</a:t>
+            </a:r>
+            <a:endParaRPr kumimoji="1" lang="ko-KR" altLang="en-US" dirty="0"/>
+          </a:p>
+        </p:txBody>
+      </p:sp>
+      <p:sp>
+        <p:nvSpPr>
+          <p:cNvPr id="3" name="내용 개체 틀 2"/>
+          <p:cNvSpPr>
+            <a:spLocks noGrp="1"/>
+          </p:cNvSpPr>
+          <p:nvPr>
+            <p:ph idx="1"/>
+          </p:nvPr>
+        </p:nvSpPr>
+        <p:spPr>
+          <a:xfrm>
+            <a:off x="169682" y="2158742"/>
+            <a:ext cx="6789258" cy="4610193"/>
+          </a:xfrm>
+        </p:spPr>
+        <p:txBody>
+          <a:bodyPr>
+            <a:noAutofit/>
+          </a:bodyPr>
+          <a:lstStyle/>
+          <a:p>
+            <a:pPr marL="0" indent="0">
+              <a:buNone/>
+            </a:pPr>
+            <a:r>
+              <a:rPr lang="is-IS" altLang="ko-KR" sz="1200" dirty="0"/>
+              <a:t>#include &lt;iostream&gt;</a:t>
+            </a:r>
+          </a:p>
+          <a:p>
+            <a:pPr marL="0" indent="0">
+              <a:buNone/>
+            </a:pPr>
+            <a:r>
+              <a:rPr lang="is-IS" altLang="ko-KR" sz="1200" dirty="0"/>
+              <a:t>#include &lt;opencv2/core.hpp&gt;</a:t>
+            </a:r>
+          </a:p>
+          <a:p>
+            <a:pPr marL="0" indent="0">
+              <a:buNone/>
+            </a:pPr>
+            <a:r>
+              <a:rPr lang="is-IS" altLang="ko-KR" sz="1200" dirty="0"/>
+              <a:t>#include &lt;opencv2/highgui.hpp&gt;</a:t>
+            </a:r>
+          </a:p>
+          <a:p>
+            <a:pPr marL="0" indent="0">
+              <a:buNone/>
+            </a:pPr>
+            <a:r>
+              <a:rPr lang="is-IS" altLang="ko-KR" sz="1200" dirty="0"/>
+              <a:t>#include &lt;opencv2/imgproc.hpp</a:t>
+            </a:r>
+            <a:r>
+              <a:rPr lang="is-IS" altLang="ko-KR" sz="1200" dirty="0" smtClean="0"/>
+              <a:t>&gt;</a:t>
+            </a:r>
+          </a:p>
+          <a:p>
+            <a:pPr marL="0" indent="0">
+              <a:buNone/>
+            </a:pPr>
+            <a:r>
+              <a:rPr lang="is-IS" altLang="ko-KR" sz="1200" dirty="0" smtClean="0"/>
+              <a:t>int </a:t>
+            </a:r>
+            <a:r>
+              <a:rPr lang="is-IS" altLang="ko-KR" sz="1200" dirty="0"/>
+              <a:t>main(){</a:t>
+            </a:r>
+          </a:p>
+          <a:p>
+            <a:pPr marL="0" indent="0">
+              <a:buNone/>
+            </a:pPr>
+            <a:r>
+              <a:rPr lang="is-IS" altLang="ko-KR" sz="1200" dirty="0"/>
+              <a:t>    cv::Mat image = cv::</a:t>
+            </a:r>
+            <a:r>
+              <a:rPr lang="is-IS" altLang="ko-KR" sz="1200" dirty="0" smtClean="0"/>
+              <a:t>imread</a:t>
+            </a:r>
+            <a:r>
+              <a:rPr lang="en-US" altLang="ko-KR" sz="1200" dirty="0" smtClean="0"/>
+              <a:t>(“</a:t>
+            </a:r>
+            <a:r>
+              <a:rPr lang="en-US" altLang="ko-KR" sz="1200" dirty="0"/>
+              <a:t>a</a:t>
+            </a:r>
+            <a:r>
+              <a:rPr lang="is-IS" altLang="ko-KR" sz="1200" dirty="0" smtClean="0"/>
+              <a:t>ward.jpeg</a:t>
+            </a:r>
+            <a:r>
+              <a:rPr lang="is-IS" altLang="ko-KR" sz="1200" dirty="0"/>
+              <a:t>",0</a:t>
+            </a:r>
+            <a:r>
+              <a:rPr lang="is-IS" altLang="ko-KR" sz="1200" dirty="0" smtClean="0"/>
+              <a:t>); //</a:t>
+            </a:r>
+            <a:r>
+              <a:rPr lang="is-IS" altLang="ko-KR" sz="1200" dirty="0"/>
+              <a:t>libopencv_imgcodecs.3.2.0.dylib </a:t>
+            </a:r>
+            <a:r>
+              <a:rPr lang="ko-KR" altLang="is-IS" sz="1200" dirty="0"/>
+              <a:t>필요</a:t>
+            </a:r>
+            <a:endParaRPr lang="is-IS" altLang="ko-KR" sz="1200" dirty="0"/>
+          </a:p>
+          <a:p>
+            <a:pPr marL="0" indent="0">
+              <a:buNone/>
+            </a:pPr>
+            <a:r>
+              <a:rPr lang="is-IS" altLang="ko-KR" sz="1200" dirty="0"/>
+              <a:t>    // </a:t>
+            </a:r>
+            <a:r>
+              <a:rPr lang="ko-KR" altLang="is-IS" sz="1200" dirty="0"/>
+              <a:t>입력</a:t>
+            </a:r>
+            <a:r>
+              <a:rPr lang="is-IS" altLang="ko-KR" sz="1200" dirty="0"/>
+              <a:t> </a:t>
+            </a:r>
+            <a:r>
+              <a:rPr lang="ko-KR" altLang="is-IS" sz="1200" dirty="0"/>
+              <a:t>영상</a:t>
+            </a:r>
+            <a:r>
+              <a:rPr lang="is-IS" altLang="ko-KR" sz="1200" dirty="0"/>
+              <a:t> </a:t>
+            </a:r>
+            <a:r>
+              <a:rPr lang="ko-KR" altLang="is-IS" sz="1200" dirty="0"/>
+              <a:t>읽기</a:t>
+            </a:r>
+            <a:endParaRPr lang="is-IS" altLang="ko-KR" sz="1200" dirty="0"/>
+          </a:p>
+          <a:p>
+            <a:pPr marL="0" indent="0">
+              <a:buNone/>
+            </a:pPr>
+            <a:r>
+              <a:rPr lang="is-IS" altLang="ko-KR" sz="1200" dirty="0"/>
+              <a:t>    // </a:t>
+            </a:r>
+            <a:r>
+              <a:rPr lang="ko-KR" altLang="is-IS" sz="1200" dirty="0"/>
+              <a:t>이진</a:t>
+            </a:r>
+            <a:r>
+              <a:rPr lang="is-IS" altLang="ko-KR" sz="1200" dirty="0"/>
+              <a:t> </a:t>
+            </a:r>
+            <a:r>
+              <a:rPr lang="ko-KR" altLang="is-IS" sz="1200" dirty="0"/>
+              <a:t>영상으로</a:t>
+            </a:r>
+            <a:r>
+              <a:rPr lang="is-IS" altLang="ko-KR" sz="1200" dirty="0"/>
+              <a:t> </a:t>
+            </a:r>
+            <a:r>
+              <a:rPr lang="ko-KR" altLang="is-IS" sz="1200" dirty="0"/>
+              <a:t>간주해</a:t>
+            </a:r>
+            <a:r>
+              <a:rPr lang="is-IS" altLang="ko-KR" sz="1200" dirty="0"/>
+              <a:t> </a:t>
+            </a:r>
+            <a:r>
+              <a:rPr lang="ko-KR" altLang="is-IS" sz="1200" dirty="0"/>
+              <a:t>열기</a:t>
+            </a:r>
+          </a:p>
+          <a:p>
+            <a:pPr marL="0" indent="0">
+              <a:buNone/>
+            </a:pPr>
+            <a:r>
+              <a:rPr lang="is-IS" altLang="ko-KR" sz="1200" dirty="0"/>
+              <a:t>    if(!image.data){</a:t>
+            </a:r>
+          </a:p>
+          <a:p>
+            <a:pPr marL="0" indent="0">
+              <a:buNone/>
+            </a:pPr>
+            <a:r>
+              <a:rPr lang="is-IS" altLang="ko-KR" sz="1200" dirty="0"/>
+              <a:t>        std::cout &lt;&lt;"Image not loaded...</a:t>
+            </a:r>
+            <a:r>
+              <a:rPr lang="ko-KR" altLang="is-IS" sz="1200" dirty="0"/>
+              <a:t>ㅠㅠ</a:t>
+            </a:r>
+            <a:r>
+              <a:rPr lang="is-IS" altLang="ko-KR" sz="1200" dirty="0"/>
+              <a:t>"&lt;&lt;std::endl;</a:t>
+            </a:r>
+          </a:p>
+          <a:p>
+            <a:pPr marL="0" indent="0">
+              <a:buNone/>
+            </a:pPr>
+            <a:r>
+              <a:rPr lang="is-IS" altLang="ko-KR" sz="1200" dirty="0"/>
+              <a:t>        return 0;</a:t>
+            </a:r>
+          </a:p>
+          <a:p>
+            <a:pPr marL="0" indent="0">
+              <a:buNone/>
+            </a:pPr>
+            <a:r>
+              <a:rPr lang="is-IS" altLang="ko-KR" sz="1200" dirty="0"/>
+              <a:t>    }</a:t>
+            </a:r>
+          </a:p>
+          <a:p>
+            <a:pPr marL="0" indent="0">
+              <a:buNone/>
+            </a:pPr>
+            <a:r>
+              <a:rPr lang="is-IS" altLang="ko-KR" sz="1200" dirty="0"/>
+              <a:t>    cv::namedWindow("Image");</a:t>
+            </a:r>
+          </a:p>
+          <a:p>
+            <a:pPr marL="0" indent="0">
+              <a:buNone/>
+            </a:pPr>
+            <a:r>
+              <a:rPr lang="is-IS" altLang="ko-KR" sz="1200" dirty="0"/>
+              <a:t>    cv::imshow("Image", image);</a:t>
+            </a:r>
+          </a:p>
+          <a:p>
+            <a:pPr marL="0" indent="0">
+              <a:buNone/>
+            </a:pPr>
+            <a:r>
+              <a:rPr lang="is-IS" altLang="ko-KR" sz="1200" dirty="0"/>
+              <a:t>    Histogram1D h; // </a:t>
+            </a:r>
+            <a:r>
+              <a:rPr lang="ko-KR" altLang="is-IS" sz="1200" dirty="0"/>
+              <a:t>히스토그램</a:t>
+            </a:r>
+            <a:r>
+              <a:rPr lang="is-IS" altLang="ko-KR" sz="1200" dirty="0"/>
+              <a:t> </a:t>
+            </a:r>
+            <a:r>
+              <a:rPr lang="ko-KR" altLang="is-IS" sz="1200" dirty="0"/>
+              <a:t>객체</a:t>
+            </a:r>
+            <a:endParaRPr lang="is-IS" altLang="ko-KR" sz="1200" dirty="0"/>
+          </a:p>
+          <a:p>
+            <a:pPr marL="0" indent="0">
+              <a:buNone/>
+            </a:pPr>
+            <a:r>
+              <a:rPr lang="is-IS" altLang="ko-KR" sz="1200" dirty="0"/>
+              <a:t>    cv::MatND histo = h.getHistogram(image); // </a:t>
+            </a:r>
+            <a:r>
+              <a:rPr lang="ko-KR" altLang="is-IS" sz="1200" dirty="0"/>
+              <a:t>히스토그램</a:t>
+            </a:r>
+            <a:r>
+              <a:rPr lang="is-IS" altLang="ko-KR" sz="1200" dirty="0"/>
+              <a:t> </a:t>
+            </a:r>
+            <a:r>
+              <a:rPr lang="ko-KR" altLang="is-IS" sz="1200" dirty="0"/>
+              <a:t>계산</a:t>
+            </a:r>
+            <a:endParaRPr lang="is-IS" altLang="ko-KR" sz="1200" dirty="0"/>
+          </a:p>
+          <a:p>
+            <a:pPr marL="0" indent="0">
+              <a:buNone/>
+            </a:pPr>
+            <a:r>
+              <a:rPr lang="is-IS" altLang="ko-KR" sz="1200" dirty="0"/>
+              <a:t>   </a:t>
+            </a:r>
+            <a:endParaRPr kumimoji="1" lang="ko-KR" altLang="en-US" sz="1200" dirty="0"/>
+          </a:p>
+        </p:txBody>
+      </p:sp>
+      <p:sp>
+        <p:nvSpPr>
+          <p:cNvPr id="5" name="텍스트 상자 4"/>
+          <p:cNvSpPr txBox="1"/>
+          <p:nvPr/>
+        </p:nvSpPr>
+        <p:spPr>
+          <a:xfrm>
+            <a:off x="6400798" y="2173184"/>
+            <a:ext cx="5830784" cy="5693866"/>
+          </a:xfrm>
+          <a:prstGeom prst="rect">
+            <a:avLst/>
+          </a:prstGeom>
+          <a:noFill/>
+        </p:spPr>
+        <p:txBody>
+          <a:bodyPr wrap="square" rtlCol="0">
+            <a:spAutoFit/>
+          </a:bodyPr>
+          <a:lstStyle/>
+          <a:p>
+            <a:r>
+              <a:rPr lang="is-IS" altLang="ko-KR" sz="1300" dirty="0">
+                <a:latin typeface="210 Appgulim Light" charset="-127"/>
+                <a:ea typeface="210 Appgulim Light" charset="-127"/>
+                <a:cs typeface="210 Appgulim Light" charset="-127"/>
+              </a:rPr>
+              <a:t> for(int i=0 ; i&lt;256 ; i++) // </a:t>
+            </a:r>
+            <a:r>
+              <a:rPr lang="ko-KR" altLang="is-IS" sz="1300" dirty="0">
+                <a:latin typeface="210 Appgulim Light" charset="-127"/>
+                <a:ea typeface="210 Appgulim Light" charset="-127"/>
+                <a:cs typeface="210 Appgulim Light" charset="-127"/>
+              </a:rPr>
+              <a:t>각</a:t>
+            </a:r>
+            <a:r>
+              <a:rPr lang="is-IS" altLang="ko-KR" sz="1300" dirty="0">
+                <a:latin typeface="210 Appgulim Light" charset="-127"/>
+                <a:ea typeface="210 Appgulim Light" charset="-127"/>
+                <a:cs typeface="210 Appgulim Light" charset="-127"/>
+              </a:rPr>
+              <a:t> </a:t>
+            </a:r>
+            <a:r>
+              <a:rPr lang="ko-KR" altLang="is-IS" sz="1300" dirty="0">
+                <a:latin typeface="210 Appgulim Light" charset="-127"/>
+                <a:ea typeface="210 Appgulim Light" charset="-127"/>
+                <a:cs typeface="210 Appgulim Light" charset="-127"/>
+              </a:rPr>
+              <a:t>빈도</a:t>
+            </a:r>
+            <a:r>
+              <a:rPr lang="is-IS" altLang="ko-KR" sz="1300" dirty="0">
+                <a:latin typeface="210 Appgulim Light" charset="-127"/>
+                <a:ea typeface="210 Appgulim Light" charset="-127"/>
+                <a:cs typeface="210 Appgulim Light" charset="-127"/>
+              </a:rPr>
+              <a:t> </a:t>
+            </a:r>
+            <a:r>
+              <a:rPr lang="ko-KR" altLang="is-IS" sz="1300" dirty="0">
+                <a:latin typeface="210 Appgulim Light" charset="-127"/>
+                <a:ea typeface="210 Appgulim Light" charset="-127"/>
+                <a:cs typeface="210 Appgulim Light" charset="-127"/>
+              </a:rPr>
+              <a:t>조회</a:t>
+            </a:r>
+            <a:endParaRPr lang="is-IS" altLang="ko-KR" sz="1300" dirty="0">
+              <a:latin typeface="210 Appgulim Light" charset="-127"/>
+              <a:ea typeface="210 Appgulim Light" charset="-127"/>
+              <a:cs typeface="210 Appgulim Light" charset="-127"/>
+            </a:endParaRPr>
+          </a:p>
+          <a:p>
+            <a:r>
+              <a:rPr lang="is-IS" altLang="ko-KR" sz="1300" dirty="0">
+                <a:latin typeface="210 Appgulim Light" charset="-127"/>
+                <a:ea typeface="210 Appgulim Light" charset="-127"/>
+                <a:cs typeface="210 Appgulim Light" charset="-127"/>
+              </a:rPr>
+              <a:t>        std::cout &lt;&lt; "Value " &lt;&lt; i &lt;&lt; " = " &lt;&lt; histo.at&lt;float&gt;(i) &lt;&lt; std::endl;</a:t>
+            </a:r>
+          </a:p>
+          <a:p>
+            <a:r>
+              <a:rPr lang="is-IS" altLang="ko-KR" sz="1300" dirty="0">
+                <a:latin typeface="210 Appgulim Light" charset="-127"/>
+                <a:ea typeface="210 Appgulim Light" charset="-127"/>
+                <a:cs typeface="210 Appgulim Light" charset="-127"/>
+              </a:rPr>
+              <a:t>    cv::namedWindow("Histogram");</a:t>
+            </a:r>
+          </a:p>
+          <a:p>
+            <a:r>
+              <a:rPr lang="is-IS" altLang="ko-KR" sz="1300" dirty="0">
+                <a:latin typeface="210 Appgulim Light" charset="-127"/>
+                <a:ea typeface="210 Appgulim Light" charset="-127"/>
+                <a:cs typeface="210 Appgulim Light" charset="-127"/>
+              </a:rPr>
+              <a:t>    </a:t>
+            </a:r>
+          </a:p>
+          <a:p>
+            <a:r>
+              <a:rPr lang="is-IS" altLang="ko-KR" sz="1300" dirty="0">
+                <a:latin typeface="210 Appgulim Light" charset="-127"/>
+                <a:ea typeface="210 Appgulim Light" charset="-127"/>
+                <a:cs typeface="210 Appgulim Light" charset="-127"/>
+              </a:rPr>
+              <a:t>    cv::imshow("Histogram", h.getHistogramImage(image));</a:t>
+            </a:r>
+          </a:p>
+          <a:p>
+            <a:r>
+              <a:rPr lang="is-IS" altLang="ko-KR" sz="1300" dirty="0">
+                <a:latin typeface="210 Appgulim Light" charset="-127"/>
+                <a:ea typeface="210 Appgulim Light" charset="-127"/>
+                <a:cs typeface="210 Appgulim Light" charset="-127"/>
+              </a:rPr>
+              <a:t>    </a:t>
+            </a:r>
+          </a:p>
+          <a:p>
+            <a:r>
+              <a:rPr lang="is-IS" altLang="ko-KR" sz="1300" dirty="0">
+                <a:latin typeface="210 Appgulim Light" charset="-127"/>
+                <a:ea typeface="210 Appgulim Light" charset="-127"/>
+                <a:cs typeface="210 Appgulim Light" charset="-127"/>
+              </a:rPr>
+              <a:t>    // </a:t>
+            </a:r>
+            <a:r>
+              <a:rPr lang="ko-KR" altLang="is-IS" sz="1300" dirty="0">
+                <a:latin typeface="210 Appgulim Light" charset="-127"/>
+                <a:ea typeface="210 Appgulim Light" charset="-127"/>
+                <a:cs typeface="210 Appgulim Light" charset="-127"/>
+              </a:rPr>
+              <a:t>히스토그램을</a:t>
+            </a:r>
+            <a:r>
+              <a:rPr lang="is-IS" altLang="ko-KR" sz="1300" dirty="0">
+                <a:latin typeface="210 Appgulim Light" charset="-127"/>
+                <a:ea typeface="210 Appgulim Light" charset="-127"/>
+                <a:cs typeface="210 Appgulim Light" charset="-127"/>
+              </a:rPr>
+              <a:t> </a:t>
+            </a:r>
+            <a:r>
+              <a:rPr lang="ko-KR" altLang="is-IS" sz="1300" dirty="0">
+                <a:latin typeface="210 Appgulim Light" charset="-127"/>
+                <a:ea typeface="210 Appgulim Light" charset="-127"/>
+                <a:cs typeface="210 Appgulim Light" charset="-127"/>
+              </a:rPr>
+              <a:t>영상으로</a:t>
+            </a:r>
+            <a:r>
+              <a:rPr lang="is-IS" altLang="ko-KR" sz="1300" dirty="0">
+                <a:latin typeface="210 Appgulim Light" charset="-127"/>
+                <a:ea typeface="210 Appgulim Light" charset="-127"/>
+                <a:cs typeface="210 Appgulim Light" charset="-127"/>
+              </a:rPr>
+              <a:t> </a:t>
+            </a:r>
+            <a:r>
+              <a:rPr lang="ko-KR" altLang="is-IS" sz="1300" dirty="0">
+                <a:latin typeface="210 Appgulim Light" charset="-127"/>
+                <a:ea typeface="210 Appgulim Light" charset="-127"/>
+                <a:cs typeface="210 Appgulim Light" charset="-127"/>
+              </a:rPr>
+              <a:t>띄우기</a:t>
+            </a:r>
+          </a:p>
+          <a:p>
+            <a:r>
+              <a:rPr lang="is-IS" altLang="ko-KR" sz="1300" dirty="0">
+                <a:latin typeface="210 Appgulim Light" charset="-127"/>
+                <a:ea typeface="210 Appgulim Light" charset="-127"/>
+                <a:cs typeface="210 Appgulim Light" charset="-127"/>
+              </a:rPr>
+              <a:t>    // </a:t>
+            </a:r>
+            <a:r>
+              <a:rPr lang="ko-KR" altLang="is-IS" sz="1300" dirty="0">
+                <a:latin typeface="210 Appgulim Light" charset="-127"/>
+                <a:ea typeface="210 Appgulim Light" charset="-127"/>
+                <a:cs typeface="210 Appgulim Light" charset="-127"/>
+              </a:rPr>
+              <a:t>가운데를</a:t>
+            </a:r>
+            <a:r>
+              <a:rPr lang="is-IS" altLang="ko-KR" sz="1300" dirty="0">
+                <a:latin typeface="210 Appgulim Light" charset="-127"/>
+                <a:ea typeface="210 Appgulim Light" charset="-127"/>
+                <a:cs typeface="210 Appgulim Light" charset="-127"/>
+              </a:rPr>
+              <a:t> </a:t>
+            </a:r>
+            <a:r>
+              <a:rPr lang="ko-KR" altLang="is-IS" sz="1300" dirty="0">
+                <a:latin typeface="210 Appgulim Light" charset="-127"/>
+                <a:ea typeface="210 Appgulim Light" charset="-127"/>
+                <a:cs typeface="210 Appgulim Light" charset="-127"/>
+              </a:rPr>
+              <a:t>중심으로</a:t>
+            </a:r>
+            <a:r>
+              <a:rPr lang="is-IS" altLang="ko-KR" sz="1300" dirty="0">
+                <a:latin typeface="210 Appgulim Light" charset="-127"/>
+                <a:ea typeface="210 Appgulim Light" charset="-127"/>
+                <a:cs typeface="210 Appgulim Light" charset="-127"/>
+              </a:rPr>
+              <a:t> </a:t>
+            </a:r>
+            <a:r>
+              <a:rPr lang="ko-KR" altLang="is-IS" sz="1300" dirty="0">
+                <a:latin typeface="210 Appgulim Light" charset="-127"/>
+                <a:ea typeface="210 Appgulim Light" charset="-127"/>
+                <a:cs typeface="210 Appgulim Light" charset="-127"/>
+              </a:rPr>
+              <a:t>왼쪽이</a:t>
+            </a:r>
+            <a:r>
+              <a:rPr lang="is-IS" altLang="ko-KR" sz="1300" dirty="0">
+                <a:latin typeface="210 Appgulim Light" charset="-127"/>
+                <a:ea typeface="210 Appgulim Light" charset="-127"/>
+                <a:cs typeface="210 Appgulim Light" charset="-127"/>
+              </a:rPr>
+              <a:t> </a:t>
+            </a:r>
+            <a:r>
+              <a:rPr lang="ko-KR" altLang="is-IS" sz="1300" dirty="0">
+                <a:latin typeface="210 Appgulim Light" charset="-127"/>
+                <a:ea typeface="210 Appgulim Light" charset="-127"/>
+                <a:cs typeface="210 Appgulim Light" charset="-127"/>
+              </a:rPr>
+              <a:t>검정색</a:t>
+            </a:r>
+            <a:r>
+              <a:rPr lang="is-IS" altLang="ko-KR" sz="1300" dirty="0">
+                <a:latin typeface="210 Appgulim Light" charset="-127"/>
+                <a:ea typeface="210 Appgulim Light" charset="-127"/>
+                <a:cs typeface="210 Appgulim Light" charset="-127"/>
+              </a:rPr>
+              <a:t>, </a:t>
+            </a:r>
+            <a:r>
+              <a:rPr lang="ko-KR" altLang="is-IS" sz="1300" dirty="0">
+                <a:latin typeface="210 Appgulim Light" charset="-127"/>
+                <a:ea typeface="210 Appgulim Light" charset="-127"/>
+                <a:cs typeface="210 Appgulim Light" charset="-127"/>
+              </a:rPr>
+              <a:t>오른쪽이</a:t>
+            </a:r>
+            <a:r>
+              <a:rPr lang="is-IS" altLang="ko-KR" sz="1300" dirty="0">
+                <a:latin typeface="210 Appgulim Light" charset="-127"/>
+                <a:ea typeface="210 Appgulim Light" charset="-127"/>
+                <a:cs typeface="210 Appgulim Light" charset="-127"/>
+              </a:rPr>
+              <a:t> </a:t>
+            </a:r>
+            <a:r>
+              <a:rPr lang="ko-KR" altLang="is-IS" sz="1300" dirty="0">
+                <a:latin typeface="210 Appgulim Light" charset="-127"/>
+                <a:ea typeface="210 Appgulim Light" charset="-127"/>
+                <a:cs typeface="210 Appgulim Light" charset="-127"/>
+              </a:rPr>
+              <a:t>흰색값</a:t>
+            </a:r>
+          </a:p>
+          <a:p>
+            <a:r>
+              <a:rPr lang="is-IS" altLang="ko-KR" sz="1300" dirty="0">
+                <a:latin typeface="210 Appgulim Light" charset="-127"/>
+                <a:ea typeface="210 Appgulim Light" charset="-127"/>
+                <a:cs typeface="210 Appgulim Light" charset="-127"/>
+              </a:rPr>
+              <a:t>    // </a:t>
+            </a:r>
+            <a:r>
+              <a:rPr lang="ko-KR" altLang="is-IS" sz="1300" dirty="0">
+                <a:latin typeface="210 Appgulim Light" charset="-127"/>
+                <a:ea typeface="210 Appgulim Light" charset="-127"/>
+                <a:cs typeface="210 Appgulim Light" charset="-127"/>
+              </a:rPr>
+              <a:t>가운데</a:t>
+            </a:r>
+            <a:r>
+              <a:rPr lang="is-IS" altLang="ko-KR" sz="1300" dirty="0">
+                <a:latin typeface="210 Appgulim Light" charset="-127"/>
+                <a:ea typeface="210 Appgulim Light" charset="-127"/>
+                <a:cs typeface="210 Appgulim Light" charset="-127"/>
+              </a:rPr>
+              <a:t> </a:t>
+            </a:r>
+            <a:r>
+              <a:rPr lang="ko-KR" altLang="is-IS" sz="1300" dirty="0">
+                <a:latin typeface="210 Appgulim Light" charset="-127"/>
+                <a:ea typeface="210 Appgulim Light" charset="-127"/>
+                <a:cs typeface="210 Appgulim Light" charset="-127"/>
+              </a:rPr>
+              <a:t>봉우리</a:t>
+            </a:r>
+            <a:r>
+              <a:rPr lang="is-IS" altLang="ko-KR" sz="1300" dirty="0">
+                <a:latin typeface="210 Appgulim Light" charset="-127"/>
+                <a:ea typeface="210 Appgulim Light" charset="-127"/>
+                <a:cs typeface="210 Appgulim Light" charset="-127"/>
+              </a:rPr>
+              <a:t> </a:t>
+            </a:r>
+            <a:r>
+              <a:rPr lang="ko-KR" altLang="is-IS" sz="1300" dirty="0">
+                <a:latin typeface="210 Appgulim Light" charset="-127"/>
+                <a:ea typeface="210 Appgulim Light" charset="-127"/>
+                <a:cs typeface="210 Appgulim Light" charset="-127"/>
+              </a:rPr>
+              <a:t>부분은</a:t>
+            </a:r>
+            <a:r>
+              <a:rPr lang="is-IS" altLang="ko-KR" sz="1300" dirty="0">
+                <a:latin typeface="210 Appgulim Light" charset="-127"/>
+                <a:ea typeface="210 Appgulim Light" charset="-127"/>
+                <a:cs typeface="210 Appgulim Light" charset="-127"/>
+              </a:rPr>
+              <a:t> </a:t>
+            </a:r>
+            <a:r>
+              <a:rPr lang="ko-KR" altLang="is-IS" sz="1300" dirty="0">
+                <a:latin typeface="210 Appgulim Light" charset="-127"/>
+                <a:ea typeface="210 Appgulim Light" charset="-127"/>
+                <a:cs typeface="210 Appgulim Light" charset="-127"/>
+              </a:rPr>
+              <a:t>중간</a:t>
+            </a:r>
+            <a:r>
+              <a:rPr lang="is-IS" altLang="ko-KR" sz="1300" dirty="0">
+                <a:latin typeface="210 Appgulim Light" charset="-127"/>
+                <a:ea typeface="210 Appgulim Light" charset="-127"/>
+                <a:cs typeface="210 Appgulim Light" charset="-127"/>
+              </a:rPr>
+              <a:t> </a:t>
+            </a:r>
+            <a:r>
+              <a:rPr lang="ko-KR" altLang="is-IS" sz="1300" dirty="0">
+                <a:latin typeface="210 Appgulim Light" charset="-127"/>
+                <a:ea typeface="210 Appgulim Light" charset="-127"/>
+                <a:cs typeface="210 Appgulim Light" charset="-127"/>
+              </a:rPr>
+              <a:t>명암도</a:t>
+            </a:r>
+            <a:r>
+              <a:rPr lang="is-IS" altLang="ko-KR" sz="1300" dirty="0">
+                <a:latin typeface="210 Appgulim Light" charset="-127"/>
+                <a:ea typeface="210 Appgulim Light" charset="-127"/>
+                <a:cs typeface="210 Appgulim Light" charset="-127"/>
+              </a:rPr>
+              <a:t> </a:t>
+            </a:r>
+            <a:r>
+              <a:rPr lang="ko-KR" altLang="is-IS" sz="1300" dirty="0">
+                <a:latin typeface="210 Appgulim Light" charset="-127"/>
+                <a:ea typeface="210 Appgulim Light" charset="-127"/>
+                <a:cs typeface="210 Appgulim Light" charset="-127"/>
+              </a:rPr>
+              <a:t>값</a:t>
+            </a:r>
+          </a:p>
+          <a:p>
+            <a:r>
+              <a:rPr lang="is-IS" altLang="ko-KR" sz="1300" dirty="0">
+                <a:latin typeface="210 Appgulim Light" charset="-127"/>
+                <a:ea typeface="210 Appgulim Light" charset="-127"/>
+                <a:cs typeface="210 Appgulim Light" charset="-127"/>
+              </a:rPr>
+              <a:t>    // </a:t>
+            </a:r>
+            <a:r>
+              <a:rPr lang="ko-KR" altLang="is-IS" sz="1300" dirty="0">
+                <a:latin typeface="210 Appgulim Light" charset="-127"/>
+                <a:ea typeface="210 Appgulim Light" charset="-127"/>
+                <a:cs typeface="210 Appgulim Light" charset="-127"/>
+              </a:rPr>
+              <a:t>왼쪽이</a:t>
+            </a:r>
+            <a:r>
+              <a:rPr lang="is-IS" altLang="ko-KR" sz="1300" dirty="0">
+                <a:latin typeface="210 Appgulim Light" charset="-127"/>
+                <a:ea typeface="210 Appgulim Light" charset="-127"/>
+                <a:cs typeface="210 Appgulim Light" charset="-127"/>
+              </a:rPr>
+              <a:t> </a:t>
+            </a:r>
+            <a:r>
+              <a:rPr lang="ko-KR" altLang="is-IS" sz="1300" dirty="0">
+                <a:latin typeface="210 Appgulim Light" charset="-127"/>
+                <a:ea typeface="210 Appgulim Light" charset="-127"/>
+                <a:cs typeface="210 Appgulim Light" charset="-127"/>
+              </a:rPr>
+              <a:t>영상의</a:t>
+            </a:r>
+            <a:r>
+              <a:rPr lang="is-IS" altLang="ko-KR" sz="1300" dirty="0">
+                <a:latin typeface="210 Appgulim Light" charset="-127"/>
+                <a:ea typeface="210 Appgulim Light" charset="-127"/>
+                <a:cs typeface="210 Appgulim Light" charset="-127"/>
+              </a:rPr>
+              <a:t> </a:t>
+            </a:r>
+            <a:r>
+              <a:rPr lang="ko-KR" altLang="is-IS" sz="1300" dirty="0">
+                <a:latin typeface="210 Appgulim Light" charset="-127"/>
+                <a:ea typeface="210 Appgulim Light" charset="-127"/>
+                <a:cs typeface="210 Appgulim Light" charset="-127"/>
+              </a:rPr>
+              <a:t>전경</a:t>
+            </a:r>
+            <a:r>
+              <a:rPr lang="is-IS" altLang="ko-KR" sz="1300" dirty="0">
+                <a:latin typeface="210 Appgulim Light" charset="-127"/>
+                <a:ea typeface="210 Appgulim Light" charset="-127"/>
+                <a:cs typeface="210 Appgulim Light" charset="-127"/>
+              </a:rPr>
+              <a:t>, </a:t>
+            </a:r>
+            <a:r>
+              <a:rPr lang="ko-KR" altLang="is-IS" sz="1300" dirty="0">
+                <a:latin typeface="210 Appgulim Light" charset="-127"/>
+                <a:ea typeface="210 Appgulim Light" charset="-127"/>
+                <a:cs typeface="210 Appgulim Light" charset="-127"/>
+              </a:rPr>
+              <a:t>오른쪽이</a:t>
+            </a:r>
+            <a:r>
+              <a:rPr lang="is-IS" altLang="ko-KR" sz="1300" dirty="0">
+                <a:latin typeface="210 Appgulim Light" charset="-127"/>
+                <a:ea typeface="210 Appgulim Light" charset="-127"/>
+                <a:cs typeface="210 Appgulim Light" charset="-127"/>
+              </a:rPr>
+              <a:t> </a:t>
+            </a:r>
+            <a:r>
+              <a:rPr lang="ko-KR" altLang="is-IS" sz="1300" dirty="0" smtClean="0">
+                <a:latin typeface="210 Appgulim Light" charset="-127"/>
+                <a:ea typeface="210 Appgulim Light" charset="-127"/>
+                <a:cs typeface="210 Appgulim Light" charset="-127"/>
+              </a:rPr>
+              <a:t>배경</a:t>
+            </a:r>
+            <a:endParaRPr lang="is-IS" altLang="ko-KR" sz="1300" dirty="0">
+              <a:latin typeface="210 Appgulim Light" charset="-127"/>
+              <a:ea typeface="210 Appgulim Light" charset="-127"/>
+              <a:cs typeface="210 Appgulim Light" charset="-127"/>
+            </a:endParaRPr>
+          </a:p>
+          <a:p>
+            <a:r>
+              <a:rPr lang="is-IS" altLang="ko-KR" sz="1300" dirty="0">
+                <a:latin typeface="210 Appgulim Light" charset="-127"/>
+                <a:ea typeface="210 Appgulim Light" charset="-127"/>
+                <a:cs typeface="210 Appgulim Light" charset="-127"/>
+              </a:rPr>
+              <a:t>    // </a:t>
+            </a:r>
+            <a:r>
+              <a:rPr lang="ko-KR" altLang="is-IS" sz="1300" dirty="0">
+                <a:latin typeface="210 Appgulim Light" charset="-127"/>
+                <a:ea typeface="210 Appgulim Light" charset="-127"/>
+                <a:cs typeface="210 Appgulim Light" charset="-127"/>
+              </a:rPr>
+              <a:t>영상을</a:t>
+            </a:r>
+            <a:r>
+              <a:rPr lang="is-IS" altLang="ko-KR" sz="1300" dirty="0">
+                <a:latin typeface="210 Appgulim Light" charset="-127"/>
+                <a:ea typeface="210 Appgulim Light" charset="-127"/>
+                <a:cs typeface="210 Appgulim Light" charset="-127"/>
+              </a:rPr>
+              <a:t> </a:t>
+            </a:r>
+            <a:r>
+              <a:rPr lang="ko-KR" altLang="is-IS" sz="1300" dirty="0">
+                <a:latin typeface="210 Appgulim Light" charset="-127"/>
+                <a:ea typeface="210 Appgulim Light" charset="-127"/>
+                <a:cs typeface="210 Appgulim Light" charset="-127"/>
+              </a:rPr>
+              <a:t>두</a:t>
+            </a:r>
+            <a:r>
+              <a:rPr lang="is-IS" altLang="ko-KR" sz="1300" dirty="0">
+                <a:latin typeface="210 Appgulim Light" charset="-127"/>
+                <a:ea typeface="210 Appgulim Light" charset="-127"/>
+                <a:cs typeface="210 Appgulim Light" charset="-127"/>
+              </a:rPr>
+              <a:t> </a:t>
+            </a:r>
+            <a:r>
+              <a:rPr lang="ko-KR" altLang="is-IS" sz="1300" dirty="0">
+                <a:latin typeface="210 Appgulim Light" charset="-127"/>
+                <a:ea typeface="210 Appgulim Light" charset="-127"/>
+                <a:cs typeface="210 Appgulim Light" charset="-127"/>
+              </a:rPr>
+              <a:t>그룹으로</a:t>
+            </a:r>
+            <a:r>
+              <a:rPr lang="is-IS" altLang="ko-KR" sz="1300" dirty="0">
+                <a:latin typeface="210 Appgulim Light" charset="-127"/>
+                <a:ea typeface="210 Appgulim Light" charset="-127"/>
+                <a:cs typeface="210 Appgulim Light" charset="-127"/>
+              </a:rPr>
+              <a:t> </a:t>
+            </a:r>
+            <a:r>
+              <a:rPr lang="ko-KR" altLang="is-IS" sz="1300" dirty="0">
+                <a:latin typeface="210 Appgulim Light" charset="-127"/>
+                <a:ea typeface="210 Appgulim Light" charset="-127"/>
+                <a:cs typeface="210 Appgulim Light" charset="-127"/>
+              </a:rPr>
+              <a:t>나누는</a:t>
+            </a:r>
+            <a:r>
+              <a:rPr lang="is-IS" altLang="ko-KR" sz="1300" dirty="0">
+                <a:latin typeface="210 Appgulim Light" charset="-127"/>
+                <a:ea typeface="210 Appgulim Light" charset="-127"/>
+                <a:cs typeface="210 Appgulim Light" charset="-127"/>
+              </a:rPr>
+              <a:t> </a:t>
+            </a:r>
+            <a:r>
+              <a:rPr lang="ko-KR" altLang="is-IS" sz="1300" dirty="0">
+                <a:latin typeface="210 Appgulim Light" charset="-127"/>
+                <a:ea typeface="210 Appgulim Light" charset="-127"/>
+                <a:cs typeface="210 Appgulim Light" charset="-127"/>
+              </a:rPr>
+              <a:t>부분을</a:t>
+            </a:r>
+            <a:r>
+              <a:rPr lang="is-IS" altLang="ko-KR" sz="1300" dirty="0">
+                <a:latin typeface="210 Appgulim Light" charset="-127"/>
+                <a:ea typeface="210 Appgulim Light" charset="-127"/>
+                <a:cs typeface="210 Appgulim Light" charset="-127"/>
+              </a:rPr>
+              <a:t> </a:t>
+            </a:r>
+            <a:r>
+              <a:rPr lang="ko-KR" altLang="is-IS" sz="1300" dirty="0">
+                <a:latin typeface="210 Appgulim Light" charset="-127"/>
+                <a:ea typeface="210 Appgulim Light" charset="-127"/>
+                <a:cs typeface="210 Appgulim Light" charset="-127"/>
+              </a:rPr>
+              <a:t>경계값으로</a:t>
+            </a:r>
+            <a:r>
+              <a:rPr lang="is-IS" altLang="ko-KR" sz="1300" dirty="0">
+                <a:latin typeface="210 Appgulim Light" charset="-127"/>
+                <a:ea typeface="210 Appgulim Light" charset="-127"/>
+                <a:cs typeface="210 Appgulim Light" charset="-127"/>
+              </a:rPr>
+              <a:t> </a:t>
+            </a:r>
+            <a:r>
+              <a:rPr lang="ko-KR" altLang="is-IS" sz="1300" dirty="0">
+                <a:latin typeface="210 Appgulim Light" charset="-127"/>
+                <a:ea typeface="210 Appgulim Light" charset="-127"/>
+                <a:cs typeface="210 Appgulim Light" charset="-127"/>
+              </a:rPr>
+              <a:t>처리해</a:t>
+            </a:r>
+            <a:r>
+              <a:rPr lang="is-IS" altLang="ko-KR" sz="1300" dirty="0">
+                <a:latin typeface="210 Appgulim Light" charset="-127"/>
+                <a:ea typeface="210 Appgulim Light" charset="-127"/>
+                <a:cs typeface="210 Appgulim Light" charset="-127"/>
+              </a:rPr>
+              <a:t> </a:t>
+            </a:r>
+            <a:r>
+              <a:rPr lang="ko-KR" altLang="is-IS" sz="1300" dirty="0">
+                <a:latin typeface="210 Appgulim Light" charset="-127"/>
+                <a:ea typeface="210 Appgulim Light" charset="-127"/>
+                <a:cs typeface="210 Appgulim Light" charset="-127"/>
+              </a:rPr>
+              <a:t>확인</a:t>
+            </a:r>
+          </a:p>
+          <a:p>
+            <a:r>
+              <a:rPr lang="is-IS" altLang="ko-KR" sz="1300" dirty="0">
+                <a:latin typeface="210 Appgulim Light" charset="-127"/>
+                <a:ea typeface="210 Appgulim Light" charset="-127"/>
+                <a:cs typeface="210 Appgulim Light" charset="-127"/>
+              </a:rPr>
+              <a:t>    cv::Mat thresholded; // </a:t>
+            </a:r>
+            <a:r>
+              <a:rPr lang="ko-KR" altLang="is-IS" sz="1300" dirty="0">
+                <a:latin typeface="210 Appgulim Light" charset="-127"/>
+                <a:ea typeface="210 Appgulim Light" charset="-127"/>
+                <a:cs typeface="210 Appgulim Light" charset="-127"/>
+              </a:rPr>
+              <a:t>경계값으로</a:t>
+            </a:r>
+            <a:r>
+              <a:rPr lang="is-IS" altLang="ko-KR" sz="1300" dirty="0">
+                <a:latin typeface="210 Appgulim Light" charset="-127"/>
+                <a:ea typeface="210 Appgulim Light" charset="-127"/>
+                <a:cs typeface="210 Appgulim Light" charset="-127"/>
+              </a:rPr>
+              <a:t> </a:t>
+            </a:r>
+            <a:r>
+              <a:rPr lang="ko-KR" altLang="is-IS" sz="1300" dirty="0">
+                <a:latin typeface="210 Appgulim Light" charset="-127"/>
+                <a:ea typeface="210 Appgulim Light" charset="-127"/>
+                <a:cs typeface="210 Appgulim Light" charset="-127"/>
+              </a:rPr>
+              <a:t>이진</a:t>
+            </a:r>
+            <a:r>
+              <a:rPr lang="is-IS" altLang="ko-KR" sz="1300" dirty="0">
+                <a:latin typeface="210 Appgulim Light" charset="-127"/>
+                <a:ea typeface="210 Appgulim Light" charset="-127"/>
+                <a:cs typeface="210 Appgulim Light" charset="-127"/>
+              </a:rPr>
+              <a:t> </a:t>
+            </a:r>
+            <a:r>
+              <a:rPr lang="ko-KR" altLang="is-IS" sz="1300" dirty="0">
+                <a:latin typeface="210 Appgulim Light" charset="-127"/>
+                <a:ea typeface="210 Appgulim Light" charset="-127"/>
+                <a:cs typeface="210 Appgulim Light" charset="-127"/>
+              </a:rPr>
+              <a:t>영상</a:t>
+            </a:r>
+            <a:r>
+              <a:rPr lang="is-IS" altLang="ko-KR" sz="1300" dirty="0">
+                <a:latin typeface="210 Appgulim Light" charset="-127"/>
+                <a:ea typeface="210 Appgulim Light" charset="-127"/>
+                <a:cs typeface="210 Appgulim Light" charset="-127"/>
+              </a:rPr>
+              <a:t> </a:t>
+            </a:r>
+            <a:r>
+              <a:rPr lang="ko-KR" altLang="is-IS" sz="1300" dirty="0">
+                <a:latin typeface="210 Appgulim Light" charset="-127"/>
+                <a:ea typeface="210 Appgulim Light" charset="-127"/>
+                <a:cs typeface="210 Appgulim Light" charset="-127"/>
+              </a:rPr>
+              <a:t>생성</a:t>
+            </a:r>
+            <a:endParaRPr lang="is-IS" altLang="ko-KR" sz="1300" dirty="0">
+              <a:latin typeface="210 Appgulim Light" charset="-127"/>
+              <a:ea typeface="210 Appgulim Light" charset="-127"/>
+              <a:cs typeface="210 Appgulim Light" charset="-127"/>
+            </a:endParaRPr>
+          </a:p>
+          <a:p>
+            <a:r>
+              <a:rPr lang="is-IS" altLang="ko-KR" sz="1300" dirty="0">
+                <a:latin typeface="210 Appgulim Light" charset="-127"/>
+                <a:ea typeface="210 Appgulim Light" charset="-127"/>
+                <a:cs typeface="210 Appgulim Light" charset="-127"/>
+              </a:rPr>
+              <a:t>    cv::threshold(image,thresholded,60,255,cv::THRESH_BINARY);</a:t>
+            </a:r>
+          </a:p>
+          <a:p>
+            <a:r>
+              <a:rPr lang="is-IS" altLang="ko-KR" sz="1300" dirty="0">
+                <a:latin typeface="210 Appgulim Light" charset="-127"/>
+                <a:ea typeface="210 Appgulim Light" charset="-127"/>
+                <a:cs typeface="210 Appgulim Light" charset="-127"/>
+              </a:rPr>
+              <a:t>    // </a:t>
+            </a:r>
+            <a:r>
+              <a:rPr lang="ko-KR" altLang="is-IS" sz="1300" dirty="0">
+                <a:latin typeface="210 Appgulim Light" charset="-127"/>
+                <a:ea typeface="210 Appgulim Light" charset="-127"/>
+                <a:cs typeface="210 Appgulim Light" charset="-127"/>
+              </a:rPr>
+              <a:t>영상을</a:t>
+            </a:r>
+            <a:r>
+              <a:rPr lang="is-IS" altLang="ko-KR" sz="1300" dirty="0">
+                <a:latin typeface="210 Appgulim Light" charset="-127"/>
+                <a:ea typeface="210 Appgulim Light" charset="-127"/>
+                <a:cs typeface="210 Appgulim Light" charset="-127"/>
+              </a:rPr>
+              <a:t> </a:t>
+            </a:r>
+            <a:r>
+              <a:rPr lang="ko-KR" altLang="is-IS" sz="1300" dirty="0">
+                <a:latin typeface="210 Appgulim Light" charset="-127"/>
+                <a:ea typeface="210 Appgulim Light" charset="-127"/>
+                <a:cs typeface="210 Appgulim Light" charset="-127"/>
+              </a:rPr>
+              <a:t>경계화</a:t>
+            </a:r>
+            <a:r>
+              <a:rPr lang="is-IS" altLang="ko-KR" sz="1300" dirty="0">
+                <a:latin typeface="210 Appgulim Light" charset="-127"/>
+                <a:ea typeface="210 Appgulim Light" charset="-127"/>
+                <a:cs typeface="210 Appgulim Light" charset="-127"/>
+              </a:rPr>
+              <a:t> </a:t>
+            </a:r>
+            <a:r>
+              <a:rPr lang="ko-KR" altLang="is-IS" sz="1300" dirty="0">
+                <a:latin typeface="210 Appgulim Light" charset="-127"/>
+                <a:ea typeface="210 Appgulim Light" charset="-127"/>
+                <a:cs typeface="210 Appgulim Light" charset="-127"/>
+              </a:rPr>
+              <a:t>하기</a:t>
+            </a:r>
+            <a:r>
+              <a:rPr lang="is-IS" altLang="ko-KR" sz="1300" dirty="0">
+                <a:latin typeface="210 Appgulim Light" charset="-127"/>
+                <a:ea typeface="210 Appgulim Light" charset="-127"/>
+                <a:cs typeface="210 Appgulim Light" charset="-127"/>
+              </a:rPr>
+              <a:t> </a:t>
+            </a:r>
+            <a:r>
+              <a:rPr lang="ko-KR" altLang="is-IS" sz="1300" dirty="0">
+                <a:latin typeface="210 Appgulim Light" charset="-127"/>
+                <a:ea typeface="210 Appgulim Light" charset="-127"/>
+                <a:cs typeface="210 Appgulim Light" charset="-127"/>
+              </a:rPr>
+              <a:t>위해</a:t>
+            </a:r>
+            <a:r>
+              <a:rPr lang="is-IS" altLang="ko-KR" sz="1300" dirty="0">
+                <a:latin typeface="210 Appgulim Light" charset="-127"/>
+                <a:ea typeface="210 Appgulim Light" charset="-127"/>
+                <a:cs typeface="210 Appgulim Light" charset="-127"/>
+              </a:rPr>
+              <a:t> </a:t>
+            </a:r>
+            <a:r>
+              <a:rPr lang="ko-KR" altLang="is-IS" sz="1300" dirty="0">
+                <a:latin typeface="210 Appgulim Light" charset="-127"/>
+                <a:ea typeface="210 Appgulim Light" charset="-127"/>
+                <a:cs typeface="210 Appgulim Light" charset="-127"/>
+              </a:rPr>
+              <a:t>히스토그램의</a:t>
+            </a:r>
+            <a:r>
+              <a:rPr lang="is-IS" altLang="ko-KR" sz="1300" dirty="0">
+                <a:latin typeface="210 Appgulim Light" charset="-127"/>
+                <a:ea typeface="210 Appgulim Light" charset="-127"/>
+                <a:cs typeface="210 Appgulim Light" charset="-127"/>
+              </a:rPr>
+              <a:t> </a:t>
+            </a:r>
+          </a:p>
+          <a:p>
+            <a:r>
+              <a:rPr lang="is-IS" altLang="ko-KR" sz="1300" dirty="0">
+                <a:latin typeface="210 Appgulim Light" charset="-127"/>
+                <a:ea typeface="210 Appgulim Light" charset="-127"/>
+                <a:cs typeface="210 Appgulim Light" charset="-127"/>
+              </a:rPr>
+              <a:t>    // </a:t>
+            </a:r>
+            <a:r>
+              <a:rPr lang="ko-KR" altLang="is-IS" sz="1300" dirty="0">
+                <a:latin typeface="210 Appgulim Light" charset="-127"/>
+                <a:ea typeface="210 Appgulim Light" charset="-127"/>
+                <a:cs typeface="210 Appgulim Light" charset="-127"/>
+              </a:rPr>
+              <a:t>높은</a:t>
+            </a:r>
+            <a:r>
+              <a:rPr lang="is-IS" altLang="ko-KR" sz="1300" dirty="0">
+                <a:latin typeface="210 Appgulim Light" charset="-127"/>
+                <a:ea typeface="210 Appgulim Light" charset="-127"/>
+                <a:cs typeface="210 Appgulim Light" charset="-127"/>
+              </a:rPr>
+              <a:t> </a:t>
+            </a:r>
+            <a:r>
+              <a:rPr lang="ko-KR" altLang="is-IS" sz="1300" dirty="0">
+                <a:latin typeface="210 Appgulim Light" charset="-127"/>
+                <a:ea typeface="210 Appgulim Light" charset="-127"/>
+                <a:cs typeface="210 Appgulim Light" charset="-127"/>
+              </a:rPr>
+              <a:t>봉우리</a:t>
+            </a:r>
+            <a:r>
+              <a:rPr lang="is-IS" altLang="ko-KR" sz="1300" dirty="0">
+                <a:latin typeface="210 Appgulim Light" charset="-127"/>
+                <a:ea typeface="210 Appgulim Light" charset="-127"/>
+                <a:cs typeface="210 Appgulim Light" charset="-127"/>
+              </a:rPr>
+              <a:t>(</a:t>
+            </a:r>
+            <a:r>
+              <a:rPr lang="ko-KR" altLang="is-IS" sz="1300" dirty="0">
+                <a:latin typeface="210 Appgulim Light" charset="-127"/>
+                <a:ea typeface="210 Appgulim Light" charset="-127"/>
+                <a:cs typeface="210 Appgulim Light" charset="-127"/>
+              </a:rPr>
+              <a:t>명암값</a:t>
+            </a:r>
+            <a:r>
+              <a:rPr lang="is-IS" altLang="ko-KR" sz="1300" dirty="0">
+                <a:latin typeface="210 Appgulim Light" charset="-127"/>
+                <a:ea typeface="210 Appgulim Light" charset="-127"/>
+                <a:cs typeface="210 Appgulim Light" charset="-127"/>
+              </a:rPr>
+              <a:t> 60) </a:t>
+            </a:r>
+            <a:r>
+              <a:rPr lang="ko-KR" altLang="is-IS" sz="1300" dirty="0">
+                <a:latin typeface="210 Appgulim Light" charset="-127"/>
+                <a:ea typeface="210 Appgulim Light" charset="-127"/>
+                <a:cs typeface="210 Appgulim Light" charset="-127"/>
+              </a:rPr>
+              <a:t>방향으로</a:t>
+            </a:r>
+            <a:r>
+              <a:rPr lang="is-IS" altLang="ko-KR" sz="1300" dirty="0">
+                <a:latin typeface="210 Appgulim Light" charset="-127"/>
+                <a:ea typeface="210 Appgulim Light" charset="-127"/>
+                <a:cs typeface="210 Appgulim Light" charset="-127"/>
+              </a:rPr>
+              <a:t> </a:t>
+            </a:r>
+            <a:r>
+              <a:rPr lang="ko-KR" altLang="is-IS" sz="1300" dirty="0">
+                <a:latin typeface="210 Appgulim Light" charset="-127"/>
+                <a:ea typeface="210 Appgulim Light" charset="-127"/>
+                <a:cs typeface="210 Appgulim Light" charset="-127"/>
+              </a:rPr>
+              <a:t>증가하기</a:t>
+            </a:r>
+            <a:r>
+              <a:rPr lang="is-IS" altLang="ko-KR" sz="1300" dirty="0">
+                <a:latin typeface="210 Appgulim Light" charset="-127"/>
+                <a:ea typeface="210 Appgulim Light" charset="-127"/>
+                <a:cs typeface="210 Appgulim Light" charset="-127"/>
+              </a:rPr>
+              <a:t> </a:t>
+            </a:r>
+            <a:r>
+              <a:rPr lang="ko-KR" altLang="is-IS" sz="1300" dirty="0">
+                <a:latin typeface="210 Appgulim Light" charset="-127"/>
+                <a:ea typeface="210 Appgulim Light" charset="-127"/>
+                <a:cs typeface="210 Appgulim Light" charset="-127"/>
+              </a:rPr>
+              <a:t>직전인</a:t>
+            </a:r>
+            <a:r>
+              <a:rPr lang="is-IS" altLang="ko-KR" sz="1300" dirty="0">
+                <a:latin typeface="210 Appgulim Light" charset="-127"/>
+                <a:ea typeface="210 Appgulim Light" charset="-127"/>
+                <a:cs typeface="210 Appgulim Light" charset="-127"/>
+              </a:rPr>
+              <a:t> </a:t>
+            </a:r>
+            <a:r>
+              <a:rPr lang="ko-KR" altLang="is-IS" sz="1300" dirty="0">
+                <a:latin typeface="210 Appgulim Light" charset="-127"/>
+                <a:ea typeface="210 Appgulim Light" charset="-127"/>
+                <a:cs typeface="210 Appgulim Light" charset="-127"/>
+              </a:rPr>
+              <a:t>최소값으로</a:t>
+            </a:r>
+            <a:r>
+              <a:rPr lang="is-IS" altLang="ko-KR" sz="1300" dirty="0">
+                <a:latin typeface="210 Appgulim Light" charset="-127"/>
+                <a:ea typeface="210 Appgulim Light" charset="-127"/>
+                <a:cs typeface="210 Appgulim Light" charset="-127"/>
+              </a:rPr>
+              <a:t> </a:t>
+            </a:r>
+            <a:r>
+              <a:rPr lang="ko-KR" altLang="is-IS" sz="1300" dirty="0">
+                <a:latin typeface="210 Appgulim Light" charset="-127"/>
+                <a:ea typeface="210 Appgulim Light" charset="-127"/>
+                <a:cs typeface="210 Appgulim Light" charset="-127"/>
+              </a:rPr>
+              <a:t>정함</a:t>
+            </a:r>
+            <a:r>
+              <a:rPr lang="is-IS" altLang="ko-KR" sz="1300" dirty="0">
+                <a:latin typeface="210 Appgulim Light" charset="-127"/>
+                <a:ea typeface="210 Appgulim Light" charset="-127"/>
+                <a:cs typeface="210 Appgulim Light" charset="-127"/>
+              </a:rPr>
+              <a:t>.</a:t>
+            </a:r>
+          </a:p>
+          <a:p>
+            <a:r>
+              <a:rPr lang="is-IS" altLang="ko-KR" sz="1300" dirty="0">
+                <a:latin typeface="210 Appgulim Light" charset="-127"/>
+                <a:ea typeface="210 Appgulim Light" charset="-127"/>
+                <a:cs typeface="210 Appgulim Light" charset="-127"/>
+              </a:rPr>
+              <a:t>    </a:t>
+            </a:r>
+          </a:p>
+          <a:p>
+            <a:r>
+              <a:rPr lang="is-IS" altLang="ko-KR" sz="1300" dirty="0">
+                <a:latin typeface="210 Appgulim Light" charset="-127"/>
+                <a:ea typeface="210 Appgulim Light" charset="-127"/>
+                <a:cs typeface="210 Appgulim Light" charset="-127"/>
+              </a:rPr>
+              <a:t>    cv::namedWindow("Binary Image"); // </a:t>
+            </a:r>
+            <a:r>
+              <a:rPr lang="ko-KR" altLang="is-IS" sz="1300" dirty="0">
+                <a:latin typeface="210 Appgulim Light" charset="-127"/>
+                <a:ea typeface="210 Appgulim Light" charset="-127"/>
+                <a:cs typeface="210 Appgulim Light" charset="-127"/>
+              </a:rPr>
+              <a:t>경계화된</a:t>
+            </a:r>
+            <a:r>
+              <a:rPr lang="is-IS" altLang="ko-KR" sz="1300" dirty="0">
+                <a:latin typeface="210 Appgulim Light" charset="-127"/>
+                <a:ea typeface="210 Appgulim Light" charset="-127"/>
+                <a:cs typeface="210 Appgulim Light" charset="-127"/>
+              </a:rPr>
+              <a:t> </a:t>
+            </a:r>
+            <a:r>
+              <a:rPr lang="ko-KR" altLang="is-IS" sz="1300" dirty="0">
+                <a:latin typeface="210 Appgulim Light" charset="-127"/>
+                <a:ea typeface="210 Appgulim Light" charset="-127"/>
+                <a:cs typeface="210 Appgulim Light" charset="-127"/>
+              </a:rPr>
+              <a:t>영상</a:t>
+            </a:r>
+            <a:r>
+              <a:rPr lang="is-IS" altLang="ko-KR" sz="1300" dirty="0">
+                <a:latin typeface="210 Appgulim Light" charset="-127"/>
+                <a:ea typeface="210 Appgulim Light" charset="-127"/>
+                <a:cs typeface="210 Appgulim Light" charset="-127"/>
+              </a:rPr>
+              <a:t> </a:t>
+            </a:r>
+            <a:r>
+              <a:rPr lang="ko-KR" altLang="is-IS" sz="1300" dirty="0">
+                <a:latin typeface="210 Appgulim Light" charset="-127"/>
+                <a:ea typeface="210 Appgulim Light" charset="-127"/>
+                <a:cs typeface="210 Appgulim Light" charset="-127"/>
+              </a:rPr>
+              <a:t>띄워</a:t>
+            </a:r>
+            <a:r>
+              <a:rPr lang="is-IS" altLang="ko-KR" sz="1300" dirty="0">
+                <a:latin typeface="210 Appgulim Light" charset="-127"/>
+                <a:ea typeface="210 Appgulim Light" charset="-127"/>
+                <a:cs typeface="210 Appgulim Light" charset="-127"/>
+              </a:rPr>
+              <a:t> </a:t>
+            </a:r>
+            <a:r>
+              <a:rPr lang="ko-KR" altLang="is-IS" sz="1300" dirty="0">
+                <a:latin typeface="210 Appgulim Light" charset="-127"/>
+                <a:ea typeface="210 Appgulim Light" charset="-127"/>
+                <a:cs typeface="210 Appgulim Light" charset="-127"/>
+              </a:rPr>
+              <a:t>보기</a:t>
+            </a:r>
+            <a:endParaRPr lang="is-IS" altLang="ko-KR" sz="1300" dirty="0">
+              <a:latin typeface="210 Appgulim Light" charset="-127"/>
+              <a:ea typeface="210 Appgulim Light" charset="-127"/>
+              <a:cs typeface="210 Appgulim Light" charset="-127"/>
+            </a:endParaRPr>
+          </a:p>
+          <a:p>
+            <a:r>
+              <a:rPr lang="is-IS" altLang="ko-KR" sz="1300" dirty="0">
+                <a:latin typeface="210 Appgulim Light" charset="-127"/>
+                <a:ea typeface="210 Appgulim Light" charset="-127"/>
+                <a:cs typeface="210 Appgulim Light" charset="-127"/>
+              </a:rPr>
+              <a:t>    </a:t>
+            </a:r>
+          </a:p>
+          <a:p>
+            <a:r>
+              <a:rPr lang="is-IS" altLang="ko-KR" sz="1300" dirty="0">
+                <a:latin typeface="210 Appgulim Light" charset="-127"/>
+                <a:ea typeface="210 Appgulim Light" charset="-127"/>
+                <a:cs typeface="210 Appgulim Light" charset="-127"/>
+              </a:rPr>
+              <a:t>    cv::imshow("Binary Image",thresholded); // </a:t>
+            </a:r>
+            <a:r>
+              <a:rPr lang="ko-KR" altLang="is-IS" sz="1300" dirty="0">
+                <a:latin typeface="210 Appgulim Light" charset="-127"/>
+                <a:ea typeface="210 Appgulim Light" charset="-127"/>
+                <a:cs typeface="210 Appgulim Light" charset="-127"/>
+              </a:rPr>
+              <a:t>배경과</a:t>
+            </a:r>
+            <a:r>
+              <a:rPr lang="is-IS" altLang="ko-KR" sz="1300" dirty="0">
+                <a:latin typeface="210 Appgulim Light" charset="-127"/>
+                <a:ea typeface="210 Appgulim Light" charset="-127"/>
+                <a:cs typeface="210 Appgulim Light" charset="-127"/>
+              </a:rPr>
+              <a:t> </a:t>
+            </a:r>
+            <a:r>
+              <a:rPr lang="ko-KR" altLang="is-IS" sz="1300" dirty="0">
+                <a:latin typeface="210 Appgulim Light" charset="-127"/>
+                <a:ea typeface="210 Appgulim Light" charset="-127"/>
+                <a:cs typeface="210 Appgulim Light" charset="-127"/>
+              </a:rPr>
+              <a:t>전경이</a:t>
+            </a:r>
+            <a:r>
+              <a:rPr lang="is-IS" altLang="ko-KR" sz="1300" dirty="0">
+                <a:latin typeface="210 Appgulim Light" charset="-127"/>
+                <a:ea typeface="210 Appgulim Light" charset="-127"/>
+                <a:cs typeface="210 Appgulim Light" charset="-127"/>
+              </a:rPr>
+              <a:t> </a:t>
+            </a:r>
+            <a:r>
+              <a:rPr lang="ko-KR" altLang="is-IS" sz="1300" dirty="0">
+                <a:latin typeface="210 Appgulim Light" charset="-127"/>
+                <a:ea typeface="210 Appgulim Light" charset="-127"/>
+                <a:cs typeface="210 Appgulim Light" charset="-127"/>
+              </a:rPr>
+              <a:t>분할됨</a:t>
+            </a:r>
+            <a:endParaRPr lang="is-IS" altLang="ko-KR" sz="1300" dirty="0">
+              <a:latin typeface="210 Appgulim Light" charset="-127"/>
+              <a:ea typeface="210 Appgulim Light" charset="-127"/>
+              <a:cs typeface="210 Appgulim Light" charset="-127"/>
+            </a:endParaRPr>
+          </a:p>
+          <a:p>
+            <a:r>
+              <a:rPr lang="is-IS" altLang="ko-KR" sz="1300" dirty="0">
+                <a:latin typeface="210 Appgulim Light" charset="-127"/>
+                <a:ea typeface="210 Appgulim Light" charset="-127"/>
+                <a:cs typeface="210 Appgulim Light" charset="-127"/>
+              </a:rPr>
+              <a:t>    cv::waitKey(0);</a:t>
+            </a:r>
+          </a:p>
+          <a:p>
+            <a:r>
+              <a:rPr lang="is-IS" altLang="ko-KR" sz="1300" dirty="0">
+                <a:latin typeface="210 Appgulim Light" charset="-127"/>
+                <a:ea typeface="210 Appgulim Light" charset="-127"/>
+                <a:cs typeface="210 Appgulim Light" charset="-127"/>
+              </a:rPr>
+              <a:t>    </a:t>
+            </a:r>
+          </a:p>
+          <a:p>
+            <a:r>
+              <a:rPr lang="is-IS" altLang="ko-KR" sz="1300" dirty="0">
+                <a:latin typeface="210 Appgulim Light" charset="-127"/>
+                <a:ea typeface="210 Appgulim Light" charset="-127"/>
+                <a:cs typeface="210 Appgulim Light" charset="-127"/>
+              </a:rPr>
+              <a:t>    return 0;</a:t>
+            </a:r>
+          </a:p>
+          <a:p>
+            <a:r>
+              <a:rPr lang="is-IS" altLang="ko-KR" sz="1300" dirty="0">
+                <a:latin typeface="210 Appgulim Light" charset="-127"/>
+                <a:ea typeface="210 Appgulim Light" charset="-127"/>
+                <a:cs typeface="210 Appgulim Light" charset="-127"/>
+              </a:rPr>
+              <a:t>}</a:t>
+            </a:r>
+          </a:p>
+          <a:p>
+            <a:endParaRPr kumimoji="1" lang="ko-KR" altLang="en-US" sz="1300" dirty="0">
+              <a:latin typeface="210 Appgulim Light" charset="-127"/>
+              <a:ea typeface="210 Appgulim Light" charset="-127"/>
+              <a:cs typeface="210 Appgulim Light" charset="-127"/>
+            </a:endParaRPr>
+          </a:p>
+          <a:p>
+            <a:endParaRPr kumimoji="1" lang="ko-KR" altLang="en-US" sz="1300" dirty="0">
+              <a:latin typeface="210 Appgulim Light" charset="-127"/>
+              <a:ea typeface="210 Appgulim Light" charset="-127"/>
+              <a:cs typeface="210 Appgulim Light" charset="-127"/>
+            </a:endParaRPr>
+          </a:p>
+          <a:p>
+            <a:endParaRPr kumimoji="1" lang="ko-KR" altLang="en-US" sz="1300" dirty="0">
+              <a:latin typeface="210 Appgulim Light" charset="-127"/>
+              <a:ea typeface="210 Appgulim Light" charset="-127"/>
+              <a:cs typeface="210 Appgulim Light" charset="-127"/>
+            </a:endParaRPr>
+          </a:p>
+          <a:p>
+            <a:endParaRPr kumimoji="1" lang="ko-KR" altLang="en-US" sz="1300" dirty="0">
+              <a:latin typeface="210 Appgulim Light" charset="-127"/>
+              <a:ea typeface="210 Appgulim Light" charset="-127"/>
+              <a:cs typeface="210 Appgulim Light" charset="-127"/>
+            </a:endParaRPr>
+          </a:p>
+        </p:txBody>
+      </p:sp>
+    </p:spTree>
+    <p:extLst>
+      <p:ext uri="{BB962C8B-B14F-4D97-AF65-F5344CB8AC3E}">
+        <p14:creationId xmlns:p14="http://schemas.microsoft.com/office/powerpoint/2010/main" val="1547450302"/>
+      </p:ext>
+    </p:extLst>
+  </p:cSld>
+  <p:clrMapOvr>
+    <a:masterClrMapping/>
+  </p:clrMapOvr>
+</p:sld>
+</file>
+
 <file path=ppt/slides/slide2.xml><?xml version="1.0" encoding="utf-8"?>
 <p:sld xmlns:a="http://schemas.openxmlformats.org/drawingml/2006/main" xmlns:r="http://schemas.openxmlformats.org/officeDocument/2006/relationships" xmlns:p="http://schemas.openxmlformats.org/presentationml/2006/main">
   <p:cSld>
@@ -10517,9 +12238,10 @@
           <a:lstStyle/>
           <a:p>
             <a:r>
-              <a:rPr kumimoji="1" lang="ko-KR" altLang="en-US" dirty="0"/>
-              <a:t>예제</a:t>
-            </a:r>
+              <a:rPr kumimoji="1" lang="ko-KR" altLang="en-US" dirty="0" smtClean="0"/>
+              <a:t>예제 코드</a:t>
+            </a:r>
+            <a:endParaRPr kumimoji="1" lang="ko-KR" altLang="en-US" dirty="0"/>
           </a:p>
         </p:txBody>
       </p:sp>
@@ -10909,6 +12631,1093 @@
       </p:par>
     </p:tnLst>
   </p:timing>
+</p:sld>
+</file>
+
+<file path=ppt/slides/slide8.xml><?xml version="1.0" encoding="utf-8"?>
+<p:sld xmlns:a="http://schemas.openxmlformats.org/drawingml/2006/main" xmlns:r="http://schemas.openxmlformats.org/officeDocument/2006/relationships" xmlns:p="http://schemas.openxmlformats.org/presentationml/2006/main">
+  <p:cSld>
+    <p:spTree>
+      <p:nvGrpSpPr>
+        <p:cNvPr id="1" name=""/>
+        <p:cNvGrpSpPr/>
+        <p:nvPr/>
+      </p:nvGrpSpPr>
+      <p:grpSpPr>
+        <a:xfrm>
+          <a:off x="0" y="0"/>
+          <a:ext cx="0" cy="0"/>
+          <a:chOff x="0" y="0"/>
+          <a:chExt cx="0" cy="0"/>
+        </a:xfrm>
+      </p:grpSpPr>
+      <p:grpSp>
+        <p:nvGrpSpPr>
+          <p:cNvPr id="15" name="Group 14"/>
+          <p:cNvGrpSpPr>
+            <a:grpSpLocks noGrp="1" noUngrp="1" noRot="1" noChangeAspect="1" noMove="1" noResize="1"/>
+          </p:cNvGrpSpPr>
+          <p:nvPr>
+            <p:extLst>
+              <p:ext uri="{386F3935-93C4-4BCD-93E2-E3B085C9AB24}">
+                <p16:designElem xmlns:p16="http://schemas.microsoft.com/office/powerpoint/2015/main" val="1"/>
+              </p:ext>
+            </p:extLst>
+          </p:nvPr>
+        </p:nvGrpSpPr>
+        <p:grpSpPr>
+          <a:xfrm>
+            <a:off x="-3176" y="0"/>
+            <a:ext cx="12192000" cy="6858001"/>
+            <a:chOff x="-3176" y="0"/>
+            <a:chExt cx="12192000" cy="6858001"/>
+          </a:xfrm>
+        </p:grpSpPr>
+        <p:sp useBgFill="1">
+          <p:nvSpPr>
+            <p:cNvPr id="16" name="Rectangle 15"/>
+            <p:cNvSpPr/>
+            <p:nvPr>
+              <p:extLst>
+                <p:ext uri="{386F3935-93C4-4BCD-93E2-E3B085C9AB24}">
+                  <p16:designElem xmlns:p16="http://schemas.microsoft.com/office/powerpoint/2015/main" val="1"/>
+                </p:ext>
+              </p:extLst>
+            </p:nvPr>
+          </p:nvSpPr>
+          <p:spPr>
+            <a:xfrm>
+              <a:off x="0" y="0"/>
+              <a:ext cx="12188824" cy="6858001"/>
+            </a:xfrm>
+            <a:prstGeom prst="rect">
+              <a:avLst/>
+            </a:prstGeom>
+            <a:ln>
+              <a:noFill/>
+            </a:ln>
+          </p:spPr>
+          <p:style>
+            <a:lnRef idx="2">
+              <a:schemeClr val="accent1">
+                <a:shade val="50000"/>
+              </a:schemeClr>
+            </a:lnRef>
+            <a:fillRef idx="1">
+              <a:schemeClr val="accent1"/>
+            </a:fillRef>
+            <a:effectRef idx="0">
+              <a:schemeClr val="accent1"/>
+            </a:effectRef>
+            <a:fontRef idx="minor">
+              <a:schemeClr val="lt1"/>
+            </a:fontRef>
+          </p:style>
+          <p:txBody>
+            <a:bodyPr rtlCol="0" anchor="ctr"/>
+            <a:lstStyle/>
+            <a:p>
+              <a:pPr algn="ctr"/>
+              <a:endParaRPr lang="en-US"/>
+            </a:p>
+          </p:txBody>
+        </p:sp>
+        <p:pic>
+          <p:nvPicPr>
+            <p:cNvPr id="17" name="Picture 16"/>
+            <p:cNvPicPr>
+              <a:picLocks noChangeAspect="1"/>
+            </p:cNvPicPr>
+            <p:nvPr>
+              <p:extLst>
+                <p:ext uri="{386F3935-93C4-4BCD-93E2-E3B085C9AB24}">
+                  <p16:designElem xmlns:p16="http://schemas.microsoft.com/office/powerpoint/2015/main" val="1"/>
+                </p:ext>
+              </p:extLst>
+            </p:nvPr>
+          </p:nvPicPr>
+          <p:blipFill>
+            <a:blip r:embed="rId2">
+              <a:alphaModFix amt="10000"/>
+              <a:extLst>
+                <a:ext uri="{28A0092B-C50C-407E-A947-70E740481C1C}">
+                  <a14:useLocalDpi xmlns:a14="http://schemas.microsoft.com/office/drawing/2010/main" val="0"/>
+                </a:ext>
+              </a:extLst>
+            </a:blip>
+            <a:stretch>
+              <a:fillRect/>
+            </a:stretch>
+          </p:blipFill>
+          <p:spPr>
+            <a:xfrm>
+              <a:off x="-3176" y="0"/>
+              <a:ext cx="12192000" cy="6858000"/>
+            </a:xfrm>
+            <a:prstGeom prst="rect">
+              <a:avLst/>
+            </a:prstGeom>
+          </p:spPr>
+        </p:pic>
+      </p:grpSp>
+      <p:sp>
+        <p:nvSpPr>
+          <p:cNvPr id="18" name="Rectangle 17"/>
+          <p:cNvSpPr>
+            <a:spLocks noGrp="1" noRot="1" noChangeAspect="1" noMove="1" noResize="1" noEditPoints="1" noAdjustHandles="1" noChangeArrowheads="1" noChangeShapeType="1" noTextEdit="1"/>
+          </p:cNvSpPr>
+          <p:nvPr>
+            <p:extLst>
+              <p:ext uri="{386F3935-93C4-4BCD-93E2-E3B085C9AB24}">
+                <p16:designElem xmlns:p16="http://schemas.microsoft.com/office/powerpoint/2015/main" val="1"/>
+              </p:ext>
+            </p:extLst>
+          </p:nvPr>
+        </p:nvSpPr>
+        <p:spPr bwMode="grayWhite">
+          <a:xfrm>
+            <a:off x="2" y="609600"/>
+            <a:ext cx="5018565" cy="1368198"/>
+          </a:xfrm>
+          <a:prstGeom prst="rect">
+            <a:avLst/>
+          </a:prstGeom>
+          <a:solidFill>
+            <a:schemeClr val="bg1">
+              <a:lumMod val="85000"/>
+              <a:lumOff val="15000"/>
+            </a:schemeClr>
+          </a:solidFill>
+          <a:ln>
+            <a:noFill/>
+          </a:ln>
+        </p:spPr>
+        <p:style>
+          <a:lnRef idx="2">
+            <a:schemeClr val="accent1">
+              <a:shade val="50000"/>
+            </a:schemeClr>
+          </a:lnRef>
+          <a:fillRef idx="1">
+            <a:schemeClr val="accent1"/>
+          </a:fillRef>
+          <a:effectRef idx="0">
+            <a:schemeClr val="accent1"/>
+          </a:effectRef>
+          <a:fontRef idx="minor">
+            <a:schemeClr val="lt1"/>
+          </a:fontRef>
+        </p:style>
+      </p:sp>
+      <p:pic>
+        <p:nvPicPr>
+          <p:cNvPr id="19" name="Picture 18"/>
+          <p:cNvPicPr>
+            <a:picLocks noGrp="1" noRot="1" noChangeAspect="1" noMove="1" noResize="1" noEditPoints="1" noAdjustHandles="1" noChangeArrowheads="1" noChangeShapeType="1" noCrop="1"/>
+          </p:cNvPicPr>
+          <p:nvPr>
+            <p:extLst>
+              <p:ext uri="{386F3935-93C4-4BCD-93E2-E3B085C9AB24}">
+                <p16:designElem xmlns:p16="http://schemas.microsoft.com/office/powerpoint/2015/main" val="1"/>
+              </p:ext>
+            </p:extLst>
+          </p:nvPr>
+        </p:nvPicPr>
+        <p:blipFill>
+          <a:blip r:embed="rId3">
+            <a:extLst>
+              <a:ext uri="{28A0092B-C50C-407E-A947-70E740481C1C}">
+                <a14:useLocalDpi xmlns:a14="http://schemas.microsoft.com/office/drawing/2010/main" val="0"/>
+              </a:ext>
+            </a:extLst>
+          </a:blip>
+          <a:stretch>
+            <a:fillRect/>
+          </a:stretch>
+        </p:blipFill>
+        <p:spPr>
+          <a:xfrm>
+            <a:off x="2" y="1970240"/>
+            <a:ext cx="5029200" cy="202738"/>
+          </a:xfrm>
+          <a:prstGeom prst="rect">
+            <a:avLst/>
+          </a:prstGeom>
+        </p:spPr>
+      </p:pic>
+      <p:sp>
+        <p:nvSpPr>
+          <p:cNvPr id="20" name="Rectangle 19"/>
+          <p:cNvSpPr>
+            <a:spLocks noGrp="1" noRot="1" noChangeAspect="1" noMove="1" noResize="1" noEditPoints="1" noAdjustHandles="1" noChangeArrowheads="1" noChangeShapeType="1" noTextEdit="1"/>
+          </p:cNvSpPr>
+          <p:nvPr>
+            <p:extLst>
+              <p:ext uri="{386F3935-93C4-4BCD-93E2-E3B085C9AB24}">
+                <p16:designElem xmlns:p16="http://schemas.microsoft.com/office/powerpoint/2015/main" val="1"/>
+              </p:ext>
+            </p:extLst>
+          </p:nvPr>
+        </p:nvSpPr>
+        <p:spPr>
+          <a:xfrm>
+            <a:off x="5449197" y="488844"/>
+            <a:ext cx="3378077" cy="3526040"/>
+          </a:xfrm>
+          <a:prstGeom prst="rect">
+            <a:avLst/>
+          </a:prstGeom>
+          <a:solidFill>
+            <a:srgbClr val="FFFFFF"/>
+          </a:solidFill>
+          <a:ln>
+            <a:noFill/>
+          </a:ln>
+          <a:effectLst>
+            <a:outerShdw blurRad="76200" dist="63500" dir="5040000" algn="t" rotWithShape="0">
+              <a:prstClr val="black">
+                <a:alpha val="41000"/>
+              </a:prstClr>
+            </a:outerShdw>
+          </a:effectLst>
+        </p:spPr>
+        <p:style>
+          <a:lnRef idx="2">
+            <a:schemeClr val="accent1">
+              <a:shade val="50000"/>
+            </a:schemeClr>
+          </a:lnRef>
+          <a:fillRef idx="1">
+            <a:schemeClr val="accent1"/>
+          </a:fillRef>
+          <a:effectRef idx="0">
+            <a:schemeClr val="accent1"/>
+          </a:effectRef>
+          <a:fontRef idx="minor">
+            <a:schemeClr val="lt1"/>
+          </a:fontRef>
+        </p:style>
+        <p:txBody>
+          <a:bodyPr rtlCol="0" anchor="ctr"/>
+          <a:lstStyle/>
+          <a:p>
+            <a:pPr algn="ctr"/>
+            <a:endParaRPr lang="en-US"/>
+          </a:p>
+        </p:txBody>
+      </p:sp>
+      <p:sp>
+        <p:nvSpPr>
+          <p:cNvPr id="21" name="Rectangle 20"/>
+          <p:cNvSpPr>
+            <a:spLocks noGrp="1" noRot="1" noChangeAspect="1" noMove="1" noResize="1" noEditPoints="1" noAdjustHandles="1" noChangeArrowheads="1" noChangeShapeType="1" noTextEdit="1"/>
+          </p:cNvSpPr>
+          <p:nvPr>
+            <p:extLst>
+              <p:ext uri="{386F3935-93C4-4BCD-93E2-E3B085C9AB24}">
+                <p16:designElem xmlns:p16="http://schemas.microsoft.com/office/powerpoint/2015/main" val="1"/>
+              </p:ext>
+            </p:extLst>
+          </p:nvPr>
+        </p:nvSpPr>
+        <p:spPr>
+          <a:xfrm>
+            <a:off x="8967680" y="3130583"/>
+            <a:ext cx="2739690" cy="3248034"/>
+          </a:xfrm>
+          <a:prstGeom prst="rect">
+            <a:avLst/>
+          </a:prstGeom>
+          <a:solidFill>
+            <a:srgbClr val="FFFFFF"/>
+          </a:solidFill>
+          <a:ln>
+            <a:noFill/>
+          </a:ln>
+          <a:effectLst>
+            <a:outerShdw blurRad="76200" dist="63500" dir="5040000" algn="t" rotWithShape="0">
+              <a:prstClr val="black">
+                <a:alpha val="41000"/>
+              </a:prstClr>
+            </a:outerShdw>
+          </a:effectLst>
+        </p:spPr>
+        <p:style>
+          <a:lnRef idx="2">
+            <a:schemeClr val="accent1">
+              <a:shade val="50000"/>
+            </a:schemeClr>
+          </a:lnRef>
+          <a:fillRef idx="1">
+            <a:schemeClr val="accent1"/>
+          </a:fillRef>
+          <a:effectRef idx="0">
+            <a:schemeClr val="accent1"/>
+          </a:effectRef>
+          <a:fontRef idx="minor">
+            <a:schemeClr val="lt1"/>
+          </a:fontRef>
+        </p:style>
+        <p:txBody>
+          <a:bodyPr rtlCol="0" anchor="ctr"/>
+          <a:lstStyle/>
+          <a:p>
+            <a:pPr algn="ctr"/>
+            <a:endParaRPr lang="en-US"/>
+          </a:p>
+        </p:txBody>
+      </p:sp>
+      <p:pic>
+        <p:nvPicPr>
+          <p:cNvPr id="13" name="그림 12"/>
+          <p:cNvPicPr>
+            <a:picLocks noChangeAspect="1"/>
+          </p:cNvPicPr>
+          <p:nvPr/>
+        </p:nvPicPr>
+        <p:blipFill>
+          <a:blip r:embed="rId4"/>
+          <a:stretch>
+            <a:fillRect/>
+          </a:stretch>
+        </p:blipFill>
+        <p:spPr>
+          <a:xfrm>
+            <a:off x="5609941" y="939738"/>
+            <a:ext cx="3056465" cy="2613277"/>
+          </a:xfrm>
+          <a:prstGeom prst="rect">
+            <a:avLst/>
+          </a:prstGeom>
+        </p:spPr>
+      </p:pic>
+      <p:pic>
+        <p:nvPicPr>
+          <p:cNvPr id="12" name="그림 11"/>
+          <p:cNvPicPr>
+            <a:picLocks noChangeAspect="1"/>
+          </p:cNvPicPr>
+          <p:nvPr/>
+        </p:nvPicPr>
+        <p:blipFill>
+          <a:blip r:embed="rId5"/>
+          <a:stretch>
+            <a:fillRect/>
+          </a:stretch>
+        </p:blipFill>
+        <p:spPr>
+          <a:xfrm>
+            <a:off x="9458224" y="3275733"/>
+            <a:ext cx="1765312" cy="2942187"/>
+          </a:xfrm>
+          <a:prstGeom prst="rect">
+            <a:avLst/>
+          </a:prstGeom>
+        </p:spPr>
+      </p:pic>
+      <p:sp>
+        <p:nvSpPr>
+          <p:cNvPr id="22" name="Rectangle 21"/>
+          <p:cNvSpPr>
+            <a:spLocks noGrp="1" noRot="1" noChangeAspect="1" noMove="1" noResize="1" noEditPoints="1" noAdjustHandles="1" noChangeArrowheads="1" noChangeShapeType="1" noTextEdit="1"/>
+          </p:cNvSpPr>
+          <p:nvPr>
+            <p:extLst>
+              <p:ext uri="{386F3935-93C4-4BCD-93E2-E3B085C9AB24}">
+                <p16:designElem xmlns:p16="http://schemas.microsoft.com/office/powerpoint/2015/main" val="1"/>
+              </p:ext>
+            </p:extLst>
+          </p:nvPr>
+        </p:nvSpPr>
+        <p:spPr>
+          <a:xfrm>
+            <a:off x="8967680" y="488844"/>
+            <a:ext cx="2739690" cy="2480872"/>
+          </a:xfrm>
+          <a:prstGeom prst="rect">
+            <a:avLst/>
+          </a:prstGeom>
+          <a:solidFill>
+            <a:srgbClr val="FFFFFF"/>
+          </a:solidFill>
+          <a:ln>
+            <a:noFill/>
+          </a:ln>
+          <a:effectLst>
+            <a:outerShdw blurRad="76200" dist="63500" dir="5040000" algn="t" rotWithShape="0">
+              <a:prstClr val="black">
+                <a:alpha val="41000"/>
+              </a:prstClr>
+            </a:outerShdw>
+          </a:effectLst>
+        </p:spPr>
+        <p:style>
+          <a:lnRef idx="2">
+            <a:schemeClr val="accent1">
+              <a:shade val="50000"/>
+            </a:schemeClr>
+          </a:lnRef>
+          <a:fillRef idx="1">
+            <a:schemeClr val="accent1"/>
+          </a:fillRef>
+          <a:effectRef idx="0">
+            <a:schemeClr val="accent1"/>
+          </a:effectRef>
+          <a:fontRef idx="minor">
+            <a:schemeClr val="lt1"/>
+          </a:fontRef>
+        </p:style>
+        <p:txBody>
+          <a:bodyPr rtlCol="0" anchor="ctr"/>
+          <a:lstStyle/>
+          <a:p>
+            <a:pPr algn="ctr"/>
+            <a:endParaRPr lang="en-US"/>
+          </a:p>
+        </p:txBody>
+      </p:sp>
+      <p:pic>
+        <p:nvPicPr>
+          <p:cNvPr id="4" name="그림 3"/>
+          <p:cNvPicPr>
+            <a:picLocks noChangeAspect="1"/>
+          </p:cNvPicPr>
+          <p:nvPr/>
+        </p:nvPicPr>
+        <p:blipFill>
+          <a:blip r:embed="rId6"/>
+          <a:stretch>
+            <a:fillRect/>
+          </a:stretch>
+        </p:blipFill>
+        <p:spPr>
+          <a:xfrm>
+            <a:off x="9111896" y="684812"/>
+            <a:ext cx="2454793" cy="2080437"/>
+          </a:xfrm>
+          <a:prstGeom prst="rect">
+            <a:avLst/>
+          </a:prstGeom>
+        </p:spPr>
+      </p:pic>
+      <p:sp>
+        <p:nvSpPr>
+          <p:cNvPr id="23" name="Rectangle 22"/>
+          <p:cNvSpPr>
+            <a:spLocks noGrp="1" noRot="1" noChangeAspect="1" noMove="1" noResize="1" noEditPoints="1" noAdjustHandles="1" noChangeArrowheads="1" noChangeShapeType="1" noTextEdit="1"/>
+          </p:cNvSpPr>
+          <p:nvPr>
+            <p:extLst>
+              <p:ext uri="{386F3935-93C4-4BCD-93E2-E3B085C9AB24}">
+                <p16:designElem xmlns:p16="http://schemas.microsoft.com/office/powerpoint/2015/main" val="1"/>
+              </p:ext>
+            </p:extLst>
+          </p:nvPr>
+        </p:nvSpPr>
+        <p:spPr>
+          <a:xfrm>
+            <a:off x="5449197" y="4169237"/>
+            <a:ext cx="3378077" cy="2217438"/>
+          </a:xfrm>
+          <a:prstGeom prst="rect">
+            <a:avLst/>
+          </a:prstGeom>
+          <a:solidFill>
+            <a:srgbClr val="FFFFFF"/>
+          </a:solidFill>
+          <a:ln>
+            <a:noFill/>
+          </a:ln>
+          <a:effectLst>
+            <a:outerShdw blurRad="76200" dist="63500" dir="5040000" algn="t" rotWithShape="0">
+              <a:prstClr val="black">
+                <a:alpha val="41000"/>
+              </a:prstClr>
+            </a:outerShdw>
+          </a:effectLst>
+        </p:spPr>
+        <p:style>
+          <a:lnRef idx="2">
+            <a:schemeClr val="accent1">
+              <a:shade val="50000"/>
+            </a:schemeClr>
+          </a:lnRef>
+          <a:fillRef idx="1">
+            <a:schemeClr val="accent1"/>
+          </a:fillRef>
+          <a:effectRef idx="0">
+            <a:schemeClr val="accent1"/>
+          </a:effectRef>
+          <a:fontRef idx="minor">
+            <a:schemeClr val="lt1"/>
+          </a:fontRef>
+        </p:style>
+        <p:txBody>
+          <a:bodyPr rtlCol="0" anchor="ctr"/>
+          <a:lstStyle/>
+          <a:p>
+            <a:pPr algn="ctr"/>
+            <a:endParaRPr lang="en-US"/>
+          </a:p>
+        </p:txBody>
+      </p:sp>
+      <p:pic>
+        <p:nvPicPr>
+          <p:cNvPr id="11" name="그림 10"/>
+          <p:cNvPicPr>
+            <a:picLocks noChangeAspect="1"/>
+          </p:cNvPicPr>
+          <p:nvPr/>
+        </p:nvPicPr>
+        <p:blipFill>
+          <a:blip r:embed="rId7"/>
+          <a:stretch>
+            <a:fillRect/>
+          </a:stretch>
+        </p:blipFill>
+        <p:spPr>
+          <a:xfrm>
+            <a:off x="5611763" y="4386875"/>
+            <a:ext cx="3054644" cy="1771693"/>
+          </a:xfrm>
+          <a:prstGeom prst="rect">
+            <a:avLst/>
+          </a:prstGeom>
+        </p:spPr>
+      </p:pic>
+      <p:sp>
+        <p:nvSpPr>
+          <p:cNvPr id="2" name="제목 1"/>
+          <p:cNvSpPr>
+            <a:spLocks noGrp="1"/>
+          </p:cNvSpPr>
+          <p:nvPr>
+            <p:ph type="title"/>
+          </p:nvPr>
+        </p:nvSpPr>
+        <p:spPr>
+          <a:xfrm>
+            <a:off x="680322" y="753228"/>
+            <a:ext cx="4196478" cy="1080938"/>
+          </a:xfrm>
+        </p:spPr>
+        <p:txBody>
+          <a:bodyPr>
+            <a:normAutofit/>
+          </a:bodyPr>
+          <a:lstStyle/>
+          <a:p>
+            <a:r>
+              <a:rPr kumimoji="1" lang="ko-KR" altLang="en-US" sz="3200" dirty="0"/>
+              <a:t>히스토그램</a:t>
+            </a:r>
+          </a:p>
+        </p:txBody>
+      </p:sp>
+      <p:sp>
+        <p:nvSpPr>
+          <p:cNvPr id="3" name="내용 개체 틀 2"/>
+          <p:cNvSpPr>
+            <a:spLocks noGrp="1"/>
+          </p:cNvSpPr>
+          <p:nvPr>
+            <p:ph idx="1"/>
+          </p:nvPr>
+        </p:nvSpPr>
+        <p:spPr>
+          <a:xfrm>
+            <a:off x="680321" y="2336873"/>
+            <a:ext cx="4124289" cy="3599316"/>
+          </a:xfrm>
+        </p:spPr>
+        <p:txBody>
+          <a:bodyPr>
+            <a:normAutofit/>
+          </a:bodyPr>
+          <a:lstStyle/>
+          <a:p>
+            <a:pPr>
+              <a:lnSpc>
+                <a:spcPct val="100000"/>
+              </a:lnSpc>
+            </a:pPr>
+            <a:r>
+              <a:rPr kumimoji="1" lang="ko-KR" altLang="en-US" sz="1600" dirty="0"/>
+              <a:t>히스토그램 </a:t>
+            </a:r>
+            <a:r>
+              <a:rPr kumimoji="1" lang="en-US" altLang="ko-KR" sz="1600" dirty="0"/>
+              <a:t>:</a:t>
+            </a:r>
+            <a:r>
+              <a:rPr kumimoji="1" lang="ko-KR" altLang="en-US" sz="1600" dirty="0"/>
+              <a:t> 영상의 픽셀값들에 대한 분포를 나타내는 그래프로 영상분석을 하는데 매우 유용하다</a:t>
+            </a:r>
+            <a:r>
+              <a:rPr kumimoji="1" lang="en-US" altLang="ko-KR" sz="1600" dirty="0"/>
+              <a:t>.</a:t>
+            </a:r>
+            <a:r>
+              <a:rPr kumimoji="1" lang="ko-KR" altLang="en-US" sz="1600" dirty="0"/>
+              <a:t> </a:t>
+            </a:r>
+            <a:endParaRPr kumimoji="1" lang="en-US" altLang="ko-KR" sz="1600" dirty="0" smtClean="0"/>
+          </a:p>
+          <a:p>
+            <a:pPr>
+              <a:lnSpc>
+                <a:spcPct val="100000"/>
+              </a:lnSpc>
+            </a:pPr>
+            <a:endParaRPr kumimoji="1" lang="en-US" altLang="ko-KR" sz="1600" dirty="0"/>
+          </a:p>
+          <a:p>
+            <a:pPr>
+              <a:lnSpc>
+                <a:spcPct val="100000"/>
+              </a:lnSpc>
+            </a:pPr>
+            <a:r>
+              <a:rPr kumimoji="1" lang="ko-KR" altLang="en-US" sz="1600" dirty="0"/>
+              <a:t>영상으로 부터 도수분포표를 작성한 후 그 표로 부터 히스토그램을 작성할 수 있다</a:t>
+            </a:r>
+            <a:r>
+              <a:rPr kumimoji="1" lang="en-US" altLang="ko-KR" sz="1600" dirty="0"/>
+              <a:t>.</a:t>
+            </a:r>
+            <a:r>
+              <a:rPr kumimoji="1" lang="ko-KR" altLang="en-US" sz="1600" dirty="0"/>
+              <a:t> </a:t>
+            </a:r>
+            <a:endParaRPr kumimoji="1" lang="en-US" altLang="ko-KR" sz="1600" dirty="0"/>
+          </a:p>
+          <a:p>
+            <a:pPr>
+              <a:lnSpc>
+                <a:spcPct val="100000"/>
+              </a:lnSpc>
+            </a:pPr>
+            <a:endParaRPr kumimoji="1" lang="ko-KR" altLang="en-US" sz="1600" dirty="0"/>
+          </a:p>
+        </p:txBody>
+      </p:sp>
+    </p:spTree>
+    <p:extLst>
+      <p:ext uri="{BB962C8B-B14F-4D97-AF65-F5344CB8AC3E}">
+        <p14:creationId xmlns:p14="http://schemas.microsoft.com/office/powerpoint/2010/main" val="3288126107"/>
+      </p:ext>
+    </p:extLst>
+  </p:cSld>
+  <p:clrMapOvr>
+    <a:masterClrMapping/>
+  </p:clrMapOvr>
+</p:sld>
+</file>
+
+<file path=ppt/slides/slide9.xml><?xml version="1.0" encoding="utf-8"?>
+<p:sld xmlns:a="http://schemas.openxmlformats.org/drawingml/2006/main" xmlns:r="http://schemas.openxmlformats.org/officeDocument/2006/relationships" xmlns:p="http://schemas.openxmlformats.org/presentationml/2006/main">
+  <p:cSld>
+    <p:spTree>
+      <p:nvGrpSpPr>
+        <p:cNvPr id="1" name=""/>
+        <p:cNvGrpSpPr/>
+        <p:nvPr/>
+      </p:nvGrpSpPr>
+      <p:grpSpPr>
+        <a:xfrm>
+          <a:off x="0" y="0"/>
+          <a:ext cx="0" cy="0"/>
+          <a:chOff x="0" y="0"/>
+          <a:chExt cx="0" cy="0"/>
+        </a:xfrm>
+      </p:grpSpPr>
+      <p:sp useBgFill="1">
+        <p:nvSpPr>
+          <p:cNvPr id="11" name="Rectangle 10"/>
+          <p:cNvSpPr>
+            <a:spLocks noGrp="1" noRot="1" noChangeAspect="1" noMove="1" noResize="1" noEditPoints="1" noAdjustHandles="1" noChangeArrowheads="1" noChangeShapeType="1" noTextEdit="1"/>
+          </p:cNvSpPr>
+          <p:nvPr>
+            <p:extLst>
+              <p:ext uri="{386F3935-93C4-4BCD-93E2-E3B085C9AB24}">
+                <p16:designElem xmlns:p16="http://schemas.microsoft.com/office/powerpoint/2015/main" val="1"/>
+              </p:ext>
+            </p:extLst>
+          </p:nvPr>
+        </p:nvSpPr>
+        <p:spPr>
+          <a:xfrm>
+            <a:off x="0" y="-1"/>
+            <a:ext cx="12188824" cy="6858001"/>
+          </a:xfrm>
+          <a:prstGeom prst="rect">
+            <a:avLst/>
+          </a:prstGeom>
+        </p:spPr>
+        <p:style>
+          <a:lnRef idx="2">
+            <a:schemeClr val="accent1">
+              <a:shade val="50000"/>
+            </a:schemeClr>
+          </a:lnRef>
+          <a:fillRef idx="1">
+            <a:schemeClr val="accent1"/>
+          </a:fillRef>
+          <a:effectRef idx="0">
+            <a:schemeClr val="accent1"/>
+          </a:effectRef>
+          <a:fontRef idx="minor">
+            <a:schemeClr val="lt1"/>
+          </a:fontRef>
+        </p:style>
+        <p:txBody>
+          <a:bodyPr rtlCol="0" anchor="ctr"/>
+          <a:lstStyle/>
+          <a:p>
+            <a:pPr algn="ctr"/>
+            <a:endParaRPr lang="en-US"/>
+          </a:p>
+        </p:txBody>
+      </p:sp>
+      <p:pic>
+        <p:nvPicPr>
+          <p:cNvPr id="12" name="Picture 11"/>
+          <p:cNvPicPr>
+            <a:picLocks noGrp="1" noRot="1" noChangeAspect="1" noMove="1" noResize="1" noEditPoints="1" noAdjustHandles="1" noChangeArrowheads="1" noChangeShapeType="1" noCrop="1"/>
+          </p:cNvPicPr>
+          <p:nvPr>
+            <p:extLst>
+              <p:ext uri="{386F3935-93C4-4BCD-93E2-E3B085C9AB24}">
+                <p16:designElem xmlns:p16="http://schemas.microsoft.com/office/powerpoint/2015/main" val="1"/>
+              </p:ext>
+            </p:extLst>
+          </p:nvPr>
+        </p:nvPicPr>
+        <p:blipFill>
+          <a:blip r:embed="rId2">
+            <a:alphaModFix amt="10000"/>
+            <a:extLst>
+              <a:ext uri="{28A0092B-C50C-407E-A947-70E740481C1C}">
+                <a14:useLocalDpi xmlns:a14="http://schemas.microsoft.com/office/drawing/2010/main" val="0"/>
+              </a:ext>
+            </a:extLst>
+          </a:blip>
+          <a:stretch>
+            <a:fillRect/>
+          </a:stretch>
+        </p:blipFill>
+        <p:spPr>
+          <a:xfrm>
+            <a:off x="-3176" y="0"/>
+            <a:ext cx="12192000" cy="6858000"/>
+          </a:xfrm>
+          <a:prstGeom prst="rect">
+            <a:avLst/>
+          </a:prstGeom>
+        </p:spPr>
+      </p:pic>
+      <p:sp>
+        <p:nvSpPr>
+          <p:cNvPr id="13" name="Rectangle 12"/>
+          <p:cNvSpPr>
+            <a:spLocks noGrp="1" noRot="1" noChangeAspect="1" noMove="1" noResize="1" noEditPoints="1" noAdjustHandles="1" noChangeArrowheads="1" noChangeShapeType="1" noTextEdit="1"/>
+          </p:cNvSpPr>
+          <p:nvPr>
+            <p:extLst>
+              <p:ext uri="{386F3935-93C4-4BCD-93E2-E3B085C9AB24}">
+                <p16:designElem xmlns:p16="http://schemas.microsoft.com/office/powerpoint/2015/main" val="1"/>
+              </p:ext>
+            </p:extLst>
+          </p:nvPr>
+        </p:nvSpPr>
+        <p:spPr>
+          <a:xfrm>
+            <a:off x="4639056" y="0"/>
+            <a:ext cx="7552944" cy="6858001"/>
+          </a:xfrm>
+          <a:prstGeom prst="rect">
+            <a:avLst/>
+          </a:prstGeom>
+          <a:ln>
+            <a:noFill/>
+          </a:ln>
+        </p:spPr>
+        <p:style>
+          <a:lnRef idx="2">
+            <a:schemeClr val="accent1">
+              <a:shade val="50000"/>
+            </a:schemeClr>
+          </a:lnRef>
+          <a:fillRef idx="1">
+            <a:schemeClr val="accent1"/>
+          </a:fillRef>
+          <a:effectRef idx="0">
+            <a:schemeClr val="accent1"/>
+          </a:effectRef>
+          <a:fontRef idx="minor">
+            <a:schemeClr val="lt1"/>
+          </a:fontRef>
+        </p:style>
+        <p:txBody>
+          <a:bodyPr rtlCol="0" anchor="ctr"/>
+          <a:lstStyle/>
+          <a:p>
+            <a:pPr algn="ctr"/>
+            <a:endParaRPr lang="en-US"/>
+          </a:p>
+        </p:txBody>
+      </p:sp>
+      <p:sp>
+        <p:nvSpPr>
+          <p:cNvPr id="14" name="Rectangle 13"/>
+          <p:cNvSpPr>
+            <a:spLocks noGrp="1" noRot="1" noChangeAspect="1" noMove="1" noResize="1" noEditPoints="1" noAdjustHandles="1" noChangeArrowheads="1" noChangeShapeType="1" noTextEdit="1"/>
+          </p:cNvSpPr>
+          <p:nvPr>
+            <p:extLst>
+              <p:ext uri="{386F3935-93C4-4BCD-93E2-E3B085C9AB24}">
+                <p16:designElem xmlns:p16="http://schemas.microsoft.com/office/powerpoint/2015/main" val="1"/>
+              </p:ext>
+            </p:extLst>
+          </p:nvPr>
+        </p:nvSpPr>
+        <p:spPr bwMode="grayWhite">
+          <a:xfrm>
+            <a:off x="2" y="609600"/>
+            <a:ext cx="4959094" cy="1368198"/>
+          </a:xfrm>
+          <a:prstGeom prst="rect">
+            <a:avLst/>
+          </a:prstGeom>
+          <a:solidFill>
+            <a:schemeClr val="bg1">
+              <a:lumMod val="85000"/>
+              <a:lumOff val="15000"/>
+            </a:schemeClr>
+          </a:solidFill>
+          <a:ln>
+            <a:noFill/>
+          </a:ln>
+        </p:spPr>
+        <p:style>
+          <a:lnRef idx="2">
+            <a:schemeClr val="accent1">
+              <a:shade val="50000"/>
+            </a:schemeClr>
+          </a:lnRef>
+          <a:fillRef idx="1">
+            <a:schemeClr val="accent1"/>
+          </a:fillRef>
+          <a:effectRef idx="0">
+            <a:schemeClr val="accent1"/>
+          </a:effectRef>
+          <a:fontRef idx="minor">
+            <a:schemeClr val="lt1"/>
+          </a:fontRef>
+        </p:style>
+      </p:sp>
+      <p:pic>
+        <p:nvPicPr>
+          <p:cNvPr id="15" name="Picture 14"/>
+          <p:cNvPicPr>
+            <a:picLocks noGrp="1" noRot="1" noChangeAspect="1" noMove="1" noResize="1" noEditPoints="1" noAdjustHandles="1" noChangeArrowheads="1" noChangeShapeType="1" noCrop="1"/>
+          </p:cNvPicPr>
+          <p:nvPr>
+            <p:extLst>
+              <p:ext uri="{386F3935-93C4-4BCD-93E2-E3B085C9AB24}">
+                <p16:designElem xmlns:p16="http://schemas.microsoft.com/office/powerpoint/2015/main" val="1"/>
+              </p:ext>
+            </p:extLst>
+          </p:nvPr>
+        </p:nvPicPr>
+        <p:blipFill>
+          <a:blip r:embed="rId3">
+            <a:extLst>
+              <a:ext uri="{28A0092B-C50C-407E-A947-70E740481C1C}">
+                <a14:useLocalDpi xmlns:a14="http://schemas.microsoft.com/office/drawing/2010/main" val="0"/>
+              </a:ext>
+            </a:extLst>
+          </a:blip>
+          <a:stretch>
+            <a:fillRect/>
+          </a:stretch>
+        </p:blipFill>
+        <p:spPr>
+          <a:xfrm>
+            <a:off x="2" y="1970241"/>
+            <a:ext cx="4956048" cy="199787"/>
+          </a:xfrm>
+          <a:prstGeom prst="rect">
+            <a:avLst/>
+          </a:prstGeom>
+        </p:spPr>
+      </p:pic>
+      <p:pic>
+        <p:nvPicPr>
+          <p:cNvPr id="6" name="내용 개체 틀 3"/>
+          <p:cNvPicPr>
+            <a:picLocks noChangeAspect="1"/>
+          </p:cNvPicPr>
+          <p:nvPr/>
+        </p:nvPicPr>
+        <p:blipFill>
+          <a:blip r:embed="rId4"/>
+          <a:stretch>
+            <a:fillRect/>
+          </a:stretch>
+        </p:blipFill>
+        <p:spPr>
+          <a:xfrm>
+            <a:off x="5276090" y="709614"/>
+            <a:ext cx="6269479" cy="5438772"/>
+          </a:xfrm>
+          <a:prstGeom prst="rect">
+            <a:avLst/>
+          </a:prstGeom>
+          <a:ln>
+            <a:noFill/>
+          </a:ln>
+          <a:effectLst>
+            <a:outerShdw blurRad="76200" dist="63500" dir="5040000" algn="tl" rotWithShape="0">
+              <a:srgbClr val="000000">
+                <a:alpha val="41000"/>
+              </a:srgbClr>
+            </a:outerShdw>
+          </a:effectLst>
+        </p:spPr>
+      </p:pic>
+      <p:sp>
+        <p:nvSpPr>
+          <p:cNvPr id="2" name="제목 1"/>
+          <p:cNvSpPr>
+            <a:spLocks noGrp="1"/>
+          </p:cNvSpPr>
+          <p:nvPr>
+            <p:ph type="title"/>
+          </p:nvPr>
+        </p:nvSpPr>
+        <p:spPr>
+          <a:xfrm>
+            <a:off x="680321" y="753228"/>
+            <a:ext cx="4136123" cy="1080938"/>
+          </a:xfrm>
+        </p:spPr>
+        <p:txBody>
+          <a:bodyPr>
+            <a:normAutofit/>
+          </a:bodyPr>
+          <a:lstStyle/>
+          <a:p>
+            <a:r>
+              <a:rPr kumimoji="1" lang="ko-KR" altLang="en-US" sz="3200" dirty="0" smtClean="0"/>
+              <a:t>히스토그램</a:t>
+            </a:r>
+            <a:endParaRPr kumimoji="1" lang="ko-KR" altLang="en-US" sz="3200" dirty="0"/>
+          </a:p>
+        </p:txBody>
+      </p:sp>
+      <p:sp>
+        <p:nvSpPr>
+          <p:cNvPr id="8" name="Content Placeholder 7"/>
+          <p:cNvSpPr>
+            <a:spLocks noGrp="1"/>
+          </p:cNvSpPr>
+          <p:nvPr>
+            <p:ph idx="1"/>
+          </p:nvPr>
+        </p:nvSpPr>
+        <p:spPr>
+          <a:xfrm>
+            <a:off x="680321" y="2336873"/>
+            <a:ext cx="3656289" cy="3599316"/>
+          </a:xfrm>
+        </p:spPr>
+        <p:txBody>
+          <a:bodyPr>
+            <a:normAutofit/>
+          </a:bodyPr>
+          <a:lstStyle/>
+          <a:p>
+            <a:r>
+              <a:rPr lang="en-US" sz="1400" dirty="0" smtClean="0"/>
+              <a:t>a, b</a:t>
+            </a:r>
+            <a:r>
+              <a:rPr lang="ko-KR" altLang="en-US" sz="1400" dirty="0" smtClean="0"/>
+              <a:t>에서 처럼 </a:t>
+            </a:r>
+            <a:endParaRPr lang="en-US" altLang="ko-KR" sz="1400" dirty="0" smtClean="0"/>
+          </a:p>
+          <a:p>
+            <a:r>
+              <a:rPr lang="ko-KR" altLang="en-US" sz="1400" dirty="0" smtClean="0"/>
+              <a:t>어두운 영상일수록 작은 픽셀값 근처인 왼쪽 편에 픽셀 값들이 많이 치우쳐져있고 </a:t>
+            </a:r>
+            <a:endParaRPr lang="en-US" altLang="ko-KR" sz="1400" dirty="0" smtClean="0"/>
+          </a:p>
+          <a:p>
+            <a:r>
+              <a:rPr lang="ko-KR" altLang="en-US" sz="1400" dirty="0" smtClean="0"/>
+              <a:t>밝은 영상일 수록 필셀 값이 큰 오른쪽편에 많이 치우쳐져 있다</a:t>
+            </a:r>
+            <a:r>
+              <a:rPr lang="en-US" altLang="ko-KR" sz="1400" dirty="0" smtClean="0"/>
+              <a:t>.</a:t>
+            </a:r>
+            <a:r>
+              <a:rPr lang="ko-KR" altLang="en-US" sz="1400" dirty="0" smtClean="0"/>
+              <a:t> </a:t>
+            </a:r>
+            <a:endParaRPr lang="en-US" altLang="ko-KR" sz="1400" dirty="0" smtClean="0"/>
+          </a:p>
+          <a:p>
+            <a:endParaRPr lang="en-US" sz="1400" dirty="0"/>
+          </a:p>
+          <a:p>
+            <a:r>
+              <a:rPr lang="en-US" sz="1400" dirty="0" smtClean="0"/>
+              <a:t>c, d </a:t>
+            </a:r>
+            <a:r>
+              <a:rPr lang="ko-KR" altLang="en-US" sz="1400" dirty="0" smtClean="0"/>
+              <a:t>에서 보듯이 </a:t>
+            </a:r>
+            <a:endParaRPr lang="en-US" altLang="ko-KR" sz="1400" dirty="0" smtClean="0"/>
+          </a:p>
+          <a:p>
+            <a:r>
+              <a:rPr lang="ko-KR" altLang="en-US" sz="1400" dirty="0" smtClean="0"/>
+              <a:t>명암대비가 낮은 영상은 픽셀값들이 좁은 영역에 분포되어 영상이 선명하지 않고 </a:t>
+            </a:r>
+            <a:endParaRPr lang="en-US" altLang="ko-KR" sz="1400" dirty="0" smtClean="0"/>
+          </a:p>
+          <a:p>
+            <a:r>
+              <a:rPr lang="ko-KR" altLang="en-US" sz="1400" dirty="0" smtClean="0"/>
+              <a:t>명암대비가 높은 영상은 넓은 범위에 걸쳐 고루 분포되어 영상이 선명함을 알 수 있다</a:t>
+            </a:r>
+            <a:r>
+              <a:rPr lang="en-US" altLang="ko-KR" sz="1400" dirty="0" smtClean="0"/>
+              <a:t>.</a:t>
+            </a:r>
+            <a:r>
+              <a:rPr lang="ko-KR" altLang="en-US" sz="1400" dirty="0" smtClean="0"/>
+              <a:t> </a:t>
+            </a:r>
+            <a:endParaRPr lang="en-US" sz="1400" dirty="0"/>
+          </a:p>
+        </p:txBody>
+      </p:sp>
+    </p:spTree>
+    <p:extLst>
+      <p:ext uri="{BB962C8B-B14F-4D97-AF65-F5344CB8AC3E}">
+        <p14:creationId xmlns:p14="http://schemas.microsoft.com/office/powerpoint/2010/main" val="2997774181"/>
+      </p:ext>
+    </p:extLst>
+  </p:cSld>
+  <p:clrMapOvr>
+    <a:masterClrMapping/>
+  </p:clrMapOvr>
 </p:sld>
 </file>
 
